--- a/docs/slides/Petra-Demo.pptx
+++ b/docs/slides/Petra-Demo.pptx
@@ -6,8 +6,19 @@
   </p:sldMasterIdLst>
   <p:sldIdLst>
     <p:sldId id="257" r:id="rId2"/>
-    <p:sldId id="258" r:id="rId3"/>
-    <p:sldId id="260" r:id="rId4"/>
+    <p:sldId id="266" r:id="rId3"/>
+    <p:sldId id="267" r:id="rId4"/>
+    <p:sldId id="268" r:id="rId5"/>
+    <p:sldId id="269" r:id="rId6"/>
+    <p:sldId id="270" r:id="rId7"/>
+    <p:sldId id="271" r:id="rId8"/>
+    <p:sldId id="272" r:id="rId9"/>
+    <p:sldId id="273" r:id="rId10"/>
+    <p:sldId id="274" r:id="rId11"/>
+    <p:sldId id="275" r:id="rId12"/>
+    <p:sldId id="276" r:id="rId13"/>
+    <p:sldId id="277" r:id="rId14"/>
+    <p:sldId id="260" r:id="rId15"/>
   </p:sldIdLst>
   <p:sldSz cx="9144000" cy="6858000" type="screen4x3"/>
   <p:notesSz cx="6858000" cy="9144000"/>
@@ -106,7 +117,16 @@
       </a:defRPr>
     </a:lvl9pPr>
   </p:defaultTextStyle>
+  <p:extLst>
+    <p:ext uri="{EFAFB233-063F-42B5-8137-9DF3F51BA10A}">
+      <p15:sldGuideLst xmlns:p15="http://schemas.microsoft.com/office/powerpoint/2012/main"/>
+    </p:ext>
+  </p:extLst>
 </p:presentation>
+</file>
+
+<file path=ppt/revisionInfo.xml><?xml version="1.0" encoding="utf-8"?>
+<p1510:revInfo xmlns:a="http://schemas.openxmlformats.org/drawingml/2006/main" xmlns:r="http://schemas.openxmlformats.org/officeDocument/2006/relationships" xmlns:p1510="http://schemas.microsoft.com/office/powerpoint/2015/10/main"/>
 </file>
 
 <file path=ppt/slideLayouts/slideLayout1.xml><?xml version="1.0" encoding="utf-8"?>
@@ -151,7 +171,7 @@
           </a:lstStyle>
           <a:p>
             <a:r>
-              <a:rPr lang="en-US" smtClean="0"/>
+              <a:rPr lang="en-US"/>
               <a:t>Click to edit Master title style</a:t>
             </a:r>
             <a:endParaRPr lang="en-US" dirty="0"/>
@@ -216,7 +236,7 @@
           </a:lstStyle>
           <a:p>
             <a:r>
-              <a:rPr lang="en-US" smtClean="0"/>
+              <a:rPr lang="en-US"/>
               <a:t>Click to edit Master subtitle style</a:t>
             </a:r>
             <a:endParaRPr lang="en-US" dirty="0"/>
@@ -240,7 +260,7 @@
           <a:p>
             <a:fld id="{4741D380-ACD2-4BDA-90F0-CFE1C8D894B5}" type="datetimeFigureOut">
               <a:rPr lang="en-US" smtClean="0"/>
-              <a:t>2/4/2018</a:t>
+              <a:t>2/6/2018</a:t>
             </a:fld>
             <a:endParaRPr lang="en-US"/>
           </a:p>
@@ -334,7 +354,7 @@
           <a:lstStyle/>
           <a:p>
             <a:r>
-              <a:rPr lang="en-US" smtClean="0"/>
+              <a:rPr lang="en-US"/>
               <a:t>Click to edit Master title style</a:t>
             </a:r>
             <a:endParaRPr lang="en-US" dirty="0"/>
@@ -358,35 +378,35 @@
           <a:p>
             <a:pPr lvl="0"/>
             <a:r>
-              <a:rPr lang="en-US" smtClean="0"/>
+              <a:rPr lang="en-US"/>
               <a:t>Edit Master text styles</a:t>
             </a:r>
           </a:p>
           <a:p>
             <a:pPr lvl="1"/>
             <a:r>
-              <a:rPr lang="en-US" smtClean="0"/>
+              <a:rPr lang="en-US"/>
               <a:t>Second level</a:t>
             </a:r>
           </a:p>
           <a:p>
             <a:pPr lvl="2"/>
             <a:r>
-              <a:rPr lang="en-US" smtClean="0"/>
+              <a:rPr lang="en-US"/>
               <a:t>Third level</a:t>
             </a:r>
           </a:p>
           <a:p>
             <a:pPr lvl="3"/>
             <a:r>
-              <a:rPr lang="en-US" smtClean="0"/>
+              <a:rPr lang="en-US"/>
               <a:t>Fourth level</a:t>
             </a:r>
           </a:p>
           <a:p>
             <a:pPr lvl="4"/>
             <a:r>
-              <a:rPr lang="en-US" smtClean="0"/>
+              <a:rPr lang="en-US"/>
               <a:t>Fifth level</a:t>
             </a:r>
             <a:endParaRPr lang="en-US" dirty="0"/>
@@ -410,7 +430,7 @@
           <a:p>
             <a:fld id="{4741D380-ACD2-4BDA-90F0-CFE1C8D894B5}" type="datetimeFigureOut">
               <a:rPr lang="en-US" smtClean="0"/>
-              <a:t>2/4/2018</a:t>
+              <a:t>2/6/2018</a:t>
             </a:fld>
             <a:endParaRPr lang="en-US"/>
           </a:p>
@@ -509,7 +529,7 @@
           <a:lstStyle/>
           <a:p>
             <a:r>
-              <a:rPr lang="en-US" smtClean="0"/>
+              <a:rPr lang="en-US"/>
               <a:t>Click to edit Master title style</a:t>
             </a:r>
             <a:endParaRPr lang="en-US" dirty="0"/>
@@ -538,35 +558,35 @@
           <a:p>
             <a:pPr lvl="0"/>
             <a:r>
-              <a:rPr lang="en-US" smtClean="0"/>
+              <a:rPr lang="en-US"/>
               <a:t>Edit Master text styles</a:t>
             </a:r>
           </a:p>
           <a:p>
             <a:pPr lvl="1"/>
             <a:r>
-              <a:rPr lang="en-US" smtClean="0"/>
+              <a:rPr lang="en-US"/>
               <a:t>Second level</a:t>
             </a:r>
           </a:p>
           <a:p>
             <a:pPr lvl="2"/>
             <a:r>
-              <a:rPr lang="en-US" smtClean="0"/>
+              <a:rPr lang="en-US"/>
               <a:t>Third level</a:t>
             </a:r>
           </a:p>
           <a:p>
             <a:pPr lvl="3"/>
             <a:r>
-              <a:rPr lang="en-US" smtClean="0"/>
+              <a:rPr lang="en-US"/>
               <a:t>Fourth level</a:t>
             </a:r>
           </a:p>
           <a:p>
             <a:pPr lvl="4"/>
             <a:r>
-              <a:rPr lang="en-US" smtClean="0"/>
+              <a:rPr lang="en-US"/>
               <a:t>Fifth level</a:t>
             </a:r>
             <a:endParaRPr lang="en-US" dirty="0"/>
@@ -590,7 +610,7 @@
           <a:p>
             <a:fld id="{4741D380-ACD2-4BDA-90F0-CFE1C8D894B5}" type="datetimeFigureOut">
               <a:rPr lang="en-US" smtClean="0"/>
-              <a:t>2/4/2018</a:t>
+              <a:t>2/6/2018</a:t>
             </a:fld>
             <a:endParaRPr lang="en-US"/>
           </a:p>
@@ -684,7 +704,7 @@
           <a:lstStyle/>
           <a:p>
             <a:r>
-              <a:rPr lang="en-US" smtClean="0"/>
+              <a:rPr lang="en-US"/>
               <a:t>Click to edit Master title style</a:t>
             </a:r>
             <a:endParaRPr lang="en-US" dirty="0"/>
@@ -708,35 +728,35 @@
           <a:p>
             <a:pPr lvl="0"/>
             <a:r>
-              <a:rPr lang="en-US" smtClean="0"/>
+              <a:rPr lang="en-US"/>
               <a:t>Edit Master text styles</a:t>
             </a:r>
           </a:p>
           <a:p>
             <a:pPr lvl="1"/>
             <a:r>
-              <a:rPr lang="en-US" smtClean="0"/>
+              <a:rPr lang="en-US"/>
               <a:t>Second level</a:t>
             </a:r>
           </a:p>
           <a:p>
             <a:pPr lvl="2"/>
             <a:r>
-              <a:rPr lang="en-US" smtClean="0"/>
+              <a:rPr lang="en-US"/>
               <a:t>Third level</a:t>
             </a:r>
           </a:p>
           <a:p>
             <a:pPr lvl="3"/>
             <a:r>
-              <a:rPr lang="en-US" smtClean="0"/>
+              <a:rPr lang="en-US"/>
               <a:t>Fourth level</a:t>
             </a:r>
           </a:p>
           <a:p>
             <a:pPr lvl="4"/>
             <a:r>
-              <a:rPr lang="en-US" smtClean="0"/>
+              <a:rPr lang="en-US"/>
               <a:t>Fifth level</a:t>
             </a:r>
             <a:endParaRPr lang="en-US" dirty="0"/>
@@ -760,7 +780,7 @@
           <a:p>
             <a:fld id="{4741D380-ACD2-4BDA-90F0-CFE1C8D894B5}" type="datetimeFigureOut">
               <a:rPr lang="en-US" smtClean="0"/>
-              <a:t>2/4/2018</a:t>
+              <a:t>2/6/2018</a:t>
             </a:fld>
             <a:endParaRPr lang="en-US"/>
           </a:p>
@@ -863,7 +883,7 @@
           </a:lstStyle>
           <a:p>
             <a:r>
-              <a:rPr lang="en-US" smtClean="0"/>
+              <a:rPr lang="en-US"/>
               <a:t>Click to edit Master title style</a:t>
             </a:r>
             <a:endParaRPr lang="en-US" dirty="0"/>
@@ -981,7 +1001,7 @@
           <a:p>
             <a:pPr lvl="0"/>
             <a:r>
-              <a:rPr lang="en-US" smtClean="0"/>
+              <a:rPr lang="en-US"/>
               <a:t>Edit Master text styles</a:t>
             </a:r>
           </a:p>
@@ -1004,7 +1024,7 @@
           <a:p>
             <a:fld id="{4741D380-ACD2-4BDA-90F0-CFE1C8D894B5}" type="datetimeFigureOut">
               <a:rPr lang="en-US" smtClean="0"/>
-              <a:t>2/4/2018</a:t>
+              <a:t>2/6/2018</a:t>
             </a:fld>
             <a:endParaRPr lang="en-US"/>
           </a:p>
@@ -1098,7 +1118,7 @@
           <a:lstStyle/>
           <a:p>
             <a:r>
-              <a:rPr lang="en-US" smtClean="0"/>
+              <a:rPr lang="en-US"/>
               <a:t>Click to edit Master title style</a:t>
             </a:r>
             <a:endParaRPr lang="en-US" dirty="0"/>
@@ -1127,35 +1147,35 @@
           <a:p>
             <a:pPr lvl="0"/>
             <a:r>
-              <a:rPr lang="en-US" smtClean="0"/>
+              <a:rPr lang="en-US"/>
               <a:t>Edit Master text styles</a:t>
             </a:r>
           </a:p>
           <a:p>
             <a:pPr lvl="1"/>
             <a:r>
-              <a:rPr lang="en-US" smtClean="0"/>
+              <a:rPr lang="en-US"/>
               <a:t>Second level</a:t>
             </a:r>
           </a:p>
           <a:p>
             <a:pPr lvl="2"/>
             <a:r>
-              <a:rPr lang="en-US" smtClean="0"/>
+              <a:rPr lang="en-US"/>
               <a:t>Third level</a:t>
             </a:r>
           </a:p>
           <a:p>
             <a:pPr lvl="3"/>
             <a:r>
-              <a:rPr lang="en-US" smtClean="0"/>
+              <a:rPr lang="en-US"/>
               <a:t>Fourth level</a:t>
             </a:r>
           </a:p>
           <a:p>
             <a:pPr lvl="4"/>
             <a:r>
-              <a:rPr lang="en-US" smtClean="0"/>
+              <a:rPr lang="en-US"/>
               <a:t>Fifth level</a:t>
             </a:r>
             <a:endParaRPr lang="en-US" dirty="0"/>
@@ -1184,35 +1204,35 @@
           <a:p>
             <a:pPr lvl="0"/>
             <a:r>
-              <a:rPr lang="en-US" smtClean="0"/>
+              <a:rPr lang="en-US"/>
               <a:t>Edit Master text styles</a:t>
             </a:r>
           </a:p>
           <a:p>
             <a:pPr lvl="1"/>
             <a:r>
-              <a:rPr lang="en-US" smtClean="0"/>
+              <a:rPr lang="en-US"/>
               <a:t>Second level</a:t>
             </a:r>
           </a:p>
           <a:p>
             <a:pPr lvl="2"/>
             <a:r>
-              <a:rPr lang="en-US" smtClean="0"/>
+              <a:rPr lang="en-US"/>
               <a:t>Third level</a:t>
             </a:r>
           </a:p>
           <a:p>
             <a:pPr lvl="3"/>
             <a:r>
-              <a:rPr lang="en-US" smtClean="0"/>
+              <a:rPr lang="en-US"/>
               <a:t>Fourth level</a:t>
             </a:r>
           </a:p>
           <a:p>
             <a:pPr lvl="4"/>
             <a:r>
-              <a:rPr lang="en-US" smtClean="0"/>
+              <a:rPr lang="en-US"/>
               <a:t>Fifth level</a:t>
             </a:r>
             <a:endParaRPr lang="en-US" dirty="0"/>
@@ -1236,7 +1256,7 @@
           <a:p>
             <a:fld id="{4741D380-ACD2-4BDA-90F0-CFE1C8D894B5}" type="datetimeFigureOut">
               <a:rPr lang="en-US" smtClean="0"/>
-              <a:t>2/4/2018</a:t>
+              <a:t>2/6/2018</a:t>
             </a:fld>
             <a:endParaRPr lang="en-US"/>
           </a:p>
@@ -1335,7 +1355,7 @@
           <a:lstStyle/>
           <a:p>
             <a:r>
-              <a:rPr lang="en-US" smtClean="0"/>
+              <a:rPr lang="en-US"/>
               <a:t>Click to edit Master title style</a:t>
             </a:r>
             <a:endParaRPr lang="en-US" dirty="0"/>
@@ -1401,7 +1421,7 @@
           <a:p>
             <a:pPr lvl="0"/>
             <a:r>
-              <a:rPr lang="en-US" smtClean="0"/>
+              <a:rPr lang="en-US"/>
               <a:t>Edit Master text styles</a:t>
             </a:r>
           </a:p>
@@ -1429,35 +1449,35 @@
           <a:p>
             <a:pPr lvl="0"/>
             <a:r>
-              <a:rPr lang="en-US" smtClean="0"/>
+              <a:rPr lang="en-US"/>
               <a:t>Edit Master text styles</a:t>
             </a:r>
           </a:p>
           <a:p>
             <a:pPr lvl="1"/>
             <a:r>
-              <a:rPr lang="en-US" smtClean="0"/>
+              <a:rPr lang="en-US"/>
               <a:t>Second level</a:t>
             </a:r>
           </a:p>
           <a:p>
             <a:pPr lvl="2"/>
             <a:r>
-              <a:rPr lang="en-US" smtClean="0"/>
+              <a:rPr lang="en-US"/>
               <a:t>Third level</a:t>
             </a:r>
           </a:p>
           <a:p>
             <a:pPr lvl="3"/>
             <a:r>
-              <a:rPr lang="en-US" smtClean="0"/>
+              <a:rPr lang="en-US"/>
               <a:t>Fourth level</a:t>
             </a:r>
           </a:p>
           <a:p>
             <a:pPr lvl="4"/>
             <a:r>
-              <a:rPr lang="en-US" smtClean="0"/>
+              <a:rPr lang="en-US"/>
               <a:t>Fifth level</a:t>
             </a:r>
             <a:endParaRPr lang="en-US" dirty="0"/>
@@ -1523,7 +1543,7 @@
           <a:p>
             <a:pPr lvl="0"/>
             <a:r>
-              <a:rPr lang="en-US" smtClean="0"/>
+              <a:rPr lang="en-US"/>
               <a:t>Edit Master text styles</a:t>
             </a:r>
           </a:p>
@@ -1551,35 +1571,35 @@
           <a:p>
             <a:pPr lvl="0"/>
             <a:r>
-              <a:rPr lang="en-US" smtClean="0"/>
+              <a:rPr lang="en-US"/>
               <a:t>Edit Master text styles</a:t>
             </a:r>
           </a:p>
           <a:p>
             <a:pPr lvl="1"/>
             <a:r>
-              <a:rPr lang="en-US" smtClean="0"/>
+              <a:rPr lang="en-US"/>
               <a:t>Second level</a:t>
             </a:r>
           </a:p>
           <a:p>
             <a:pPr lvl="2"/>
             <a:r>
-              <a:rPr lang="en-US" smtClean="0"/>
+              <a:rPr lang="en-US"/>
               <a:t>Third level</a:t>
             </a:r>
           </a:p>
           <a:p>
             <a:pPr lvl="3"/>
             <a:r>
-              <a:rPr lang="en-US" smtClean="0"/>
+              <a:rPr lang="en-US"/>
               <a:t>Fourth level</a:t>
             </a:r>
           </a:p>
           <a:p>
             <a:pPr lvl="4"/>
             <a:r>
-              <a:rPr lang="en-US" smtClean="0"/>
+              <a:rPr lang="en-US"/>
               <a:t>Fifth level</a:t>
             </a:r>
             <a:endParaRPr lang="en-US" dirty="0"/>
@@ -1603,7 +1623,7 @@
           <a:p>
             <a:fld id="{4741D380-ACD2-4BDA-90F0-CFE1C8D894B5}" type="datetimeFigureOut">
               <a:rPr lang="en-US" smtClean="0"/>
-              <a:t>2/4/2018</a:t>
+              <a:t>2/6/2018</a:t>
             </a:fld>
             <a:endParaRPr lang="en-US"/>
           </a:p>
@@ -1697,7 +1717,7 @@
           <a:lstStyle/>
           <a:p>
             <a:r>
-              <a:rPr lang="en-US" smtClean="0"/>
+              <a:rPr lang="en-US"/>
               <a:t>Click to edit Master title style</a:t>
             </a:r>
             <a:endParaRPr lang="en-US" dirty="0"/>
@@ -1721,7 +1741,7 @@
           <a:p>
             <a:fld id="{4741D380-ACD2-4BDA-90F0-CFE1C8D894B5}" type="datetimeFigureOut">
               <a:rPr lang="en-US" smtClean="0"/>
-              <a:t>2/4/2018</a:t>
+              <a:t>2/6/2018</a:t>
             </a:fld>
             <a:endParaRPr lang="en-US"/>
           </a:p>
@@ -1816,7 +1836,7 @@
           <a:p>
             <a:fld id="{4741D380-ACD2-4BDA-90F0-CFE1C8D894B5}" type="datetimeFigureOut">
               <a:rPr lang="en-US" smtClean="0"/>
-              <a:t>2/4/2018</a:t>
+              <a:t>2/6/2018</a:t>
             </a:fld>
             <a:endParaRPr lang="en-US"/>
           </a:p>
@@ -1919,7 +1939,7 @@
           </a:lstStyle>
           <a:p>
             <a:r>
-              <a:rPr lang="en-US" smtClean="0"/>
+              <a:rPr lang="en-US"/>
               <a:t>Click to edit Master title style</a:t>
             </a:r>
             <a:endParaRPr lang="en-US" dirty="0"/>
@@ -1976,35 +1996,35 @@
           <a:p>
             <a:pPr lvl="0"/>
             <a:r>
-              <a:rPr lang="en-US" smtClean="0"/>
+              <a:rPr lang="en-US"/>
               <a:t>Edit Master text styles</a:t>
             </a:r>
           </a:p>
           <a:p>
             <a:pPr lvl="1"/>
             <a:r>
-              <a:rPr lang="en-US" smtClean="0"/>
+              <a:rPr lang="en-US"/>
               <a:t>Second level</a:t>
             </a:r>
           </a:p>
           <a:p>
             <a:pPr lvl="2"/>
             <a:r>
-              <a:rPr lang="en-US" smtClean="0"/>
+              <a:rPr lang="en-US"/>
               <a:t>Third level</a:t>
             </a:r>
           </a:p>
           <a:p>
             <a:pPr lvl="3"/>
             <a:r>
-              <a:rPr lang="en-US" smtClean="0"/>
+              <a:rPr lang="en-US"/>
               <a:t>Fourth level</a:t>
             </a:r>
           </a:p>
           <a:p>
             <a:pPr lvl="4"/>
             <a:r>
-              <a:rPr lang="en-US" smtClean="0"/>
+              <a:rPr lang="en-US"/>
               <a:t>Fifth level</a:t>
             </a:r>
             <a:endParaRPr lang="en-US" dirty="0"/>
@@ -2070,7 +2090,7 @@
           <a:p>
             <a:pPr lvl="0"/>
             <a:r>
-              <a:rPr lang="en-US" smtClean="0"/>
+              <a:rPr lang="en-US"/>
               <a:t>Edit Master text styles</a:t>
             </a:r>
           </a:p>
@@ -2093,7 +2113,7 @@
           <a:p>
             <a:fld id="{4741D380-ACD2-4BDA-90F0-CFE1C8D894B5}" type="datetimeFigureOut">
               <a:rPr lang="en-US" smtClean="0"/>
-              <a:t>2/4/2018</a:t>
+              <a:t>2/6/2018</a:t>
             </a:fld>
             <a:endParaRPr lang="en-US"/>
           </a:p>
@@ -2196,7 +2216,7 @@
           </a:lstStyle>
           <a:p>
             <a:r>
-              <a:rPr lang="en-US" smtClean="0"/>
+              <a:rPr lang="en-US"/>
               <a:t>Click to edit Master title style</a:t>
             </a:r>
             <a:endParaRPr lang="en-US" dirty="0"/>
@@ -2261,7 +2281,7 @@
           </a:lstStyle>
           <a:p>
             <a:r>
-              <a:rPr lang="en-US" smtClean="0"/>
+              <a:rPr lang="en-US"/>
               <a:t>Click icon to add picture</a:t>
             </a:r>
             <a:endParaRPr lang="en-US" dirty="0"/>
@@ -2327,7 +2347,7 @@
           <a:p>
             <a:pPr lvl="0"/>
             <a:r>
-              <a:rPr lang="en-US" smtClean="0"/>
+              <a:rPr lang="en-US"/>
               <a:t>Edit Master text styles</a:t>
             </a:r>
           </a:p>
@@ -2350,7 +2370,7 @@
           <a:p>
             <a:fld id="{4741D380-ACD2-4BDA-90F0-CFE1C8D894B5}" type="datetimeFigureOut">
               <a:rPr lang="en-US" smtClean="0"/>
-              <a:t>2/4/2018</a:t>
+              <a:t>2/6/2018</a:t>
             </a:fld>
             <a:endParaRPr lang="en-US"/>
           </a:p>
@@ -2459,7 +2479,7 @@
           <a:lstStyle/>
           <a:p>
             <a:r>
-              <a:rPr lang="en-US" smtClean="0"/>
+              <a:rPr lang="en-US"/>
               <a:t>Click to edit Master title style</a:t>
             </a:r>
             <a:endParaRPr lang="en-US" dirty="0"/>
@@ -2493,35 +2513,35 @@
           <a:p>
             <a:pPr lvl="0"/>
             <a:r>
-              <a:rPr lang="en-US" smtClean="0"/>
+              <a:rPr lang="en-US"/>
               <a:t>Edit Master text styles</a:t>
             </a:r>
           </a:p>
           <a:p>
             <a:pPr lvl="1"/>
             <a:r>
-              <a:rPr lang="en-US" smtClean="0"/>
+              <a:rPr lang="en-US"/>
               <a:t>Second level</a:t>
             </a:r>
           </a:p>
           <a:p>
             <a:pPr lvl="2"/>
             <a:r>
-              <a:rPr lang="en-US" smtClean="0"/>
+              <a:rPr lang="en-US"/>
               <a:t>Third level</a:t>
             </a:r>
           </a:p>
           <a:p>
             <a:pPr lvl="3"/>
             <a:r>
-              <a:rPr lang="en-US" smtClean="0"/>
+              <a:rPr lang="en-US"/>
               <a:t>Fourth level</a:t>
             </a:r>
           </a:p>
           <a:p>
             <a:pPr lvl="4"/>
             <a:r>
-              <a:rPr lang="en-US" smtClean="0"/>
+              <a:rPr lang="en-US"/>
               <a:t>Fifth level</a:t>
             </a:r>
             <a:endParaRPr lang="en-US" dirty="0"/>
@@ -2563,7 +2583,7 @@
           <a:p>
             <a:fld id="{4741D380-ACD2-4BDA-90F0-CFE1C8D894B5}" type="datetimeFigureOut">
               <a:rPr lang="en-US" smtClean="0"/>
-              <a:t>2/4/2018</a:t>
+              <a:t>2/6/2018</a:t>
             </a:fld>
             <a:endParaRPr lang="en-US"/>
           </a:p>
@@ -2991,10 +3011,9 @@
           <a:lstStyle/>
           <a:p>
             <a:r>
-              <a:rPr lang="en-US" sz="2400" dirty="0" smtClean="0"/>
+              <a:rPr lang="en-US" sz="2400" dirty="0"/>
               <a:t>Example Application: Private And Decentralized Energy Transactions</a:t>
             </a:r>
-            <a:endParaRPr lang="en-US" sz="2400" dirty="0"/>
           </a:p>
         </p:txBody>
       </p:sp>
@@ -3106,16 +3125,15 @@
           <a:lstStyle/>
           <a:p>
             <a:r>
-              <a:rPr lang="en-US" dirty="0" smtClean="0"/>
+              <a:rPr lang="en-US" dirty="0"/>
               <a:t>Energy Exchange</a:t>
             </a:r>
           </a:p>
           <a:p>
             <a:r>
-              <a:rPr lang="en-US" dirty="0" smtClean="0"/>
+              <a:rPr lang="en-US" dirty="0"/>
               <a:t>Reduces Dependence on the Grid</a:t>
             </a:r>
-            <a:endParaRPr lang="en-US" dirty="0"/>
           </a:p>
         </p:txBody>
       </p:sp>
@@ -3142,7 +3160,7 @@
           <a:lstStyle/>
           <a:p>
             <a:r>
-              <a:rPr lang="en-US" smtClean="0"/>
+              <a:rPr lang="en-US"/>
               <a:t>Participant 1</a:t>
             </a:r>
             <a:endParaRPr lang="en-US" dirty="0"/>
@@ -3172,7 +3190,7 @@
           <a:lstStyle/>
           <a:p>
             <a:r>
-              <a:rPr lang="en-US" smtClean="0"/>
+              <a:rPr lang="en-US"/>
               <a:t>Participant 2</a:t>
             </a:r>
             <a:endParaRPr lang="en-US" dirty="0"/>
@@ -3226,14 +3244,13 @@
           <a:lstStyle/>
           <a:p>
             <a:r>
-              <a:rPr lang="en-US" dirty="0" err="1" smtClean="0"/>
+              <a:rPr lang="en-US" dirty="0" err="1"/>
               <a:t>PETra</a:t>
             </a:r>
             <a:r>
-              <a:rPr lang="en-US" dirty="0" smtClean="0"/>
+              <a:rPr lang="en-US" dirty="0"/>
               <a:t> Framework</a:t>
             </a:r>
-            <a:endParaRPr lang="en-US" dirty="0"/>
           </a:p>
         </p:txBody>
       </p:sp>
@@ -6904,7 +6921,7 @@
               </a:spcAft>
             </a:pPr>
             <a:r>
-              <a:rPr lang="en-AU" sz="900" b="1" dirty="0" err="1" smtClean="0">
+              <a:rPr lang="en-AU" sz="900" b="1" dirty="0" err="1">
                 <a:solidFill>
                   <a:srgbClr val="000000"/>
                 </a:solidFill>
@@ -8360,10 +8377,9 @@
           <a:lstStyle/>
           <a:p>
             <a:r>
-              <a:rPr lang="en-US" dirty="0" smtClean="0"/>
+              <a:rPr lang="en-US" dirty="0"/>
               <a:t>Application use case for integration of RIAPS and Blockchains</a:t>
             </a:r>
-            <a:endParaRPr lang="en-US" dirty="0"/>
           </a:p>
         </p:txBody>
       </p:sp>
@@ -8389,17 +8405,10 @@
       </p:transition>
     </mc:Fallback>
   </mc:AlternateContent>
-  <p:timing>
-    <p:tnLst>
-      <p:par>
-        <p:cTn id="1" dur="indefinite" restart="never" nodeType="tmRoot"/>
-      </p:par>
-    </p:tnLst>
-  </p:timing>
 </p:sld>
 </file>
 
-<file path=ppt/slides/slide2.xml><?xml version="1.0" encoding="utf-8"?>
+<file path=ppt/slides/slide10.xml><?xml version="1.0" encoding="utf-8"?>
 <p:sld xmlns:a="http://schemas.openxmlformats.org/drawingml/2006/main" xmlns:r="http://schemas.openxmlformats.org/officeDocument/2006/relationships" xmlns:p="http://schemas.openxmlformats.org/presentationml/2006/main">
   <p:cSld>
     <p:spTree>
@@ -8432,22 +8441,25 @@
           <a:lstStyle/>
           <a:p>
             <a:r>
-              <a:rPr lang="en-US" dirty="0" smtClean="0"/>
+              <a:rPr lang="en-US" dirty="0"/>
               <a:t>Sequence Diagram</a:t>
             </a:r>
-            <a:endParaRPr lang="en-US" dirty="0"/>
           </a:p>
         </p:txBody>
       </p:sp>
       <p:pic>
         <p:nvPicPr>
-          <p:cNvPr id="4" name="Content Placeholder 3"/>
+          <p:cNvPr id="6" name="Picture 5">
+            <a:extLst>
+              <a:ext uri="{FF2B5EF4-FFF2-40B4-BE49-F238E27FC236}">
+                <a16:creationId xmlns:a16="http://schemas.microsoft.com/office/drawing/2014/main" id="{1A9C9A37-2898-484D-B140-BC001B6F8C65}"/>
+              </a:ext>
+            </a:extLst>
+          </p:cNvPr>
           <p:cNvPicPr>
-            <a:picLocks noGrp="1" noChangeAspect="1"/>
+            <a:picLocks noChangeAspect="1"/>
           </p:cNvPicPr>
-          <p:nvPr>
-            <p:ph idx="1"/>
-          </p:nvPr>
+          <p:nvPr/>
         </p:nvPicPr>
         <p:blipFill>
           <a:blip r:embed="rId2"/>
@@ -8457,35 +8469,80 @@
         </p:blipFill>
         <p:spPr>
           <a:xfrm>
-            <a:off x="628650" y="2299101"/>
-            <a:ext cx="7886700" cy="3404386"/>
+            <a:off x="0" y="1579282"/>
+            <a:ext cx="9144000" cy="5127925"/>
           </a:xfrm>
           <a:prstGeom prst="rect">
             <a:avLst/>
           </a:prstGeom>
         </p:spPr>
       </p:pic>
+      <p:sp>
+        <p:nvSpPr>
+          <p:cNvPr id="4" name="Rectangle 3">
+            <a:extLst>
+              <a:ext uri="{FF2B5EF4-FFF2-40B4-BE49-F238E27FC236}">
+                <a16:creationId xmlns:a16="http://schemas.microsoft.com/office/drawing/2014/main" id="{28062FD5-E7F0-4A54-89D7-1F3002B5747C}"/>
+              </a:ext>
+            </a:extLst>
+          </p:cNvPr>
+          <p:cNvSpPr/>
+          <p:nvPr/>
+        </p:nvSpPr>
+        <p:spPr>
+          <a:xfrm>
+            <a:off x="0" y="5532435"/>
+            <a:ext cx="9144000" cy="1325564"/>
+          </a:xfrm>
+          <a:prstGeom prst="rect">
+            <a:avLst/>
+          </a:prstGeom>
+          <a:solidFill>
+            <a:schemeClr val="bg1"/>
+          </a:solidFill>
+          <a:ln>
+            <a:noFill/>
+          </a:ln>
+        </p:spPr>
+        <p:style>
+          <a:lnRef idx="2">
+            <a:schemeClr val="accent1">
+              <a:shade val="50000"/>
+            </a:schemeClr>
+          </a:lnRef>
+          <a:fillRef idx="1">
+            <a:schemeClr val="accent1"/>
+          </a:fillRef>
+          <a:effectRef idx="0">
+            <a:schemeClr val="accent1"/>
+          </a:effectRef>
+          <a:fontRef idx="minor">
+            <a:schemeClr val="lt1"/>
+          </a:fontRef>
+        </p:style>
+        <p:txBody>
+          <a:bodyPr rtlCol="0" anchor="ctr"/>
+          <a:lstStyle/>
+          <a:p>
+            <a:pPr algn="ctr"/>
+            <a:endParaRPr lang="en-US"/>
+          </a:p>
+        </p:txBody>
+      </p:sp>
     </p:spTree>
     <p:extLst>
       <p:ext uri="{BB962C8B-B14F-4D97-AF65-F5344CB8AC3E}">
-        <p14:creationId xmlns:p14="http://schemas.microsoft.com/office/powerpoint/2010/main" val="4183091411"/>
+        <p14:creationId xmlns:p14="http://schemas.microsoft.com/office/powerpoint/2010/main" val="2672154149"/>
       </p:ext>
     </p:extLst>
   </p:cSld>
   <p:clrMapOvr>
     <a:masterClrMapping/>
   </p:clrMapOvr>
-  <p:timing>
-    <p:tnLst>
-      <p:par>
-        <p:cTn id="1" dur="indefinite" restart="never" nodeType="tmRoot"/>
-      </p:par>
-    </p:tnLst>
-  </p:timing>
 </p:sld>
 </file>
 
-<file path=ppt/slides/slide3.xml><?xml version="1.0" encoding="utf-8"?>
+<file path=ppt/slides/slide11.xml><?xml version="1.0" encoding="utf-8"?>
 <p:sld xmlns:a="http://schemas.openxmlformats.org/drawingml/2006/main" xmlns:r="http://schemas.openxmlformats.org/officeDocument/2006/relationships" xmlns:p="http://schemas.openxmlformats.org/presentationml/2006/main">
   <p:cSld>
     <p:spTree>
@@ -8504,71 +8561,6 @@
       </p:grpSpPr>
       <p:sp>
         <p:nvSpPr>
-          <p:cNvPr id="3" name="Content Placeholder 2"/>
-          <p:cNvSpPr>
-            <a:spLocks noGrp="1"/>
-          </p:cNvSpPr>
-          <p:nvPr>
-            <p:ph idx="1"/>
-          </p:nvPr>
-        </p:nvSpPr>
-        <p:spPr>
-          <a:xfrm>
-            <a:off x="219545" y="1152287"/>
-            <a:ext cx="2222572" cy="4525963"/>
-          </a:xfrm>
-        </p:spPr>
-        <p:txBody>
-          <a:bodyPr>
-            <a:normAutofit/>
-          </a:bodyPr>
-          <a:lstStyle/>
-          <a:p>
-            <a:pPr>
-              <a:spcAft>
-                <a:spcPts val="600"/>
-              </a:spcAft>
-            </a:pPr>
-            <a:r>
-              <a:rPr lang="en-US" sz="1600" dirty="0"/>
-              <a:t>We used real-world energy production / consumption data from a German </a:t>
-            </a:r>
-            <a:r>
-              <a:rPr lang="en-US" sz="1600" dirty="0" err="1" smtClean="0"/>
-              <a:t>microgrid</a:t>
-            </a:r>
-            <a:r>
-              <a:rPr lang="en-US" sz="1600" dirty="0" smtClean="0"/>
-              <a:t> provided by Siemens, CT</a:t>
-            </a:r>
-            <a:endParaRPr lang="en-US" sz="1600" dirty="0"/>
-          </a:p>
-          <a:p>
-            <a:pPr>
-              <a:spcAft>
-                <a:spcPts val="600"/>
-              </a:spcAft>
-            </a:pPr>
-            <a:r>
-              <a:rPr lang="en-US" sz="1600" dirty="0"/>
-              <a:t>We deployed our system on a private Ethereum network </a:t>
-            </a:r>
-          </a:p>
-          <a:p>
-            <a:pPr>
-              <a:spcAft>
-                <a:spcPts val="600"/>
-              </a:spcAft>
-            </a:pPr>
-            <a:r>
-              <a:rPr lang="en-US" sz="1600" dirty="0"/>
-              <a:t>90% of trades were closed within 23 seconds or less</a:t>
-            </a:r>
-          </a:p>
-        </p:txBody>
-      </p:sp>
-      <p:sp>
-        <p:nvSpPr>
           <p:cNvPr id="2" name="Title 1"/>
           <p:cNvSpPr>
             <a:spLocks noGrp="1"/>
@@ -8577,29 +8569,27 @@
             <p:ph type="title"/>
           </p:nvPr>
         </p:nvSpPr>
-        <p:spPr>
-          <a:xfrm>
-            <a:off x="483685" y="-92074"/>
-            <a:ext cx="7886700" cy="1325563"/>
-          </a:xfrm>
-        </p:spPr>
-        <p:txBody>
-          <a:bodyPr>
-            <a:normAutofit/>
-          </a:bodyPr>
+        <p:spPr/>
+        <p:txBody>
+          <a:bodyPr/>
           <a:lstStyle/>
           <a:p>
             <a:r>
-              <a:rPr lang="en-US" sz="3600" dirty="0" smtClean="0"/>
-              <a:t>Evaluation</a:t>
-            </a:r>
-            <a:endParaRPr lang="en-US" sz="3600" dirty="0"/>
+              <a:rPr lang="en-US" dirty="0"/>
+              <a:t>Sequence Diagram</a:t>
+            </a:r>
           </a:p>
         </p:txBody>
       </p:sp>
       <p:pic>
         <p:nvPicPr>
-          <p:cNvPr id="5" name="Picture 4"/>
+          <p:cNvPr id="6" name="Picture 5">
+            <a:extLst>
+              <a:ext uri="{FF2B5EF4-FFF2-40B4-BE49-F238E27FC236}">
+                <a16:creationId xmlns:a16="http://schemas.microsoft.com/office/drawing/2014/main" id="{1A9C9A37-2898-484D-B140-BC001B6F8C65}"/>
+              </a:ext>
+            </a:extLst>
+          </p:cNvPr>
           <p:cNvPicPr>
             <a:picLocks noChangeAspect="1"/>
           </p:cNvPicPr>
@@ -8613,8 +8603,453 @@
         </p:blipFill>
         <p:spPr>
           <a:xfrm>
-            <a:off x="3979263" y="3588158"/>
-            <a:ext cx="4877867" cy="2281920"/>
+            <a:off x="0" y="1579282"/>
+            <a:ext cx="9144000" cy="5127925"/>
+          </a:xfrm>
+          <a:prstGeom prst="rect">
+            <a:avLst/>
+          </a:prstGeom>
+        </p:spPr>
+      </p:pic>
+      <p:sp>
+        <p:nvSpPr>
+          <p:cNvPr id="4" name="Rectangle 3">
+            <a:extLst>
+              <a:ext uri="{FF2B5EF4-FFF2-40B4-BE49-F238E27FC236}">
+                <a16:creationId xmlns:a16="http://schemas.microsoft.com/office/drawing/2014/main" id="{28062FD5-E7F0-4A54-89D7-1F3002B5747C}"/>
+              </a:ext>
+            </a:extLst>
+          </p:cNvPr>
+          <p:cNvSpPr/>
+          <p:nvPr/>
+        </p:nvSpPr>
+        <p:spPr>
+          <a:xfrm>
+            <a:off x="0" y="6128951"/>
+            <a:ext cx="9144000" cy="729048"/>
+          </a:xfrm>
+          <a:prstGeom prst="rect">
+            <a:avLst/>
+          </a:prstGeom>
+          <a:solidFill>
+            <a:schemeClr val="bg1"/>
+          </a:solidFill>
+          <a:ln>
+            <a:noFill/>
+          </a:ln>
+        </p:spPr>
+        <p:style>
+          <a:lnRef idx="2">
+            <a:schemeClr val="accent1">
+              <a:shade val="50000"/>
+            </a:schemeClr>
+          </a:lnRef>
+          <a:fillRef idx="1">
+            <a:schemeClr val="accent1"/>
+          </a:fillRef>
+          <a:effectRef idx="0">
+            <a:schemeClr val="accent1"/>
+          </a:effectRef>
+          <a:fontRef idx="minor">
+            <a:schemeClr val="lt1"/>
+          </a:fontRef>
+        </p:style>
+        <p:txBody>
+          <a:bodyPr rtlCol="0" anchor="ctr"/>
+          <a:lstStyle/>
+          <a:p>
+            <a:pPr algn="ctr"/>
+            <a:endParaRPr lang="en-US"/>
+          </a:p>
+        </p:txBody>
+      </p:sp>
+    </p:spTree>
+    <p:extLst>
+      <p:ext uri="{BB962C8B-B14F-4D97-AF65-F5344CB8AC3E}">
+        <p14:creationId xmlns:p14="http://schemas.microsoft.com/office/powerpoint/2010/main" val="432087896"/>
+      </p:ext>
+    </p:extLst>
+  </p:cSld>
+  <p:clrMapOvr>
+    <a:masterClrMapping/>
+  </p:clrMapOvr>
+</p:sld>
+</file>
+
+<file path=ppt/slides/slide12.xml><?xml version="1.0" encoding="utf-8"?>
+<p:sld xmlns:a="http://schemas.openxmlformats.org/drawingml/2006/main" xmlns:r="http://schemas.openxmlformats.org/officeDocument/2006/relationships" xmlns:p="http://schemas.openxmlformats.org/presentationml/2006/main">
+  <p:cSld>
+    <p:spTree>
+      <p:nvGrpSpPr>
+        <p:cNvPr id="1" name=""/>
+        <p:cNvGrpSpPr/>
+        <p:nvPr/>
+      </p:nvGrpSpPr>
+      <p:grpSpPr>
+        <a:xfrm>
+          <a:off x="0" y="0"/>
+          <a:ext cx="0" cy="0"/>
+          <a:chOff x="0" y="0"/>
+          <a:chExt cx="0" cy="0"/>
+        </a:xfrm>
+      </p:grpSpPr>
+      <p:sp>
+        <p:nvSpPr>
+          <p:cNvPr id="2" name="Title 1"/>
+          <p:cNvSpPr>
+            <a:spLocks noGrp="1"/>
+          </p:cNvSpPr>
+          <p:nvPr>
+            <p:ph type="title"/>
+          </p:nvPr>
+        </p:nvSpPr>
+        <p:spPr/>
+        <p:txBody>
+          <a:bodyPr/>
+          <a:lstStyle/>
+          <a:p>
+            <a:r>
+              <a:rPr lang="en-US" dirty="0"/>
+              <a:t>Sequence Diagram</a:t>
+            </a:r>
+          </a:p>
+        </p:txBody>
+      </p:sp>
+      <p:pic>
+        <p:nvPicPr>
+          <p:cNvPr id="6" name="Picture 5">
+            <a:extLst>
+              <a:ext uri="{FF2B5EF4-FFF2-40B4-BE49-F238E27FC236}">
+                <a16:creationId xmlns:a16="http://schemas.microsoft.com/office/drawing/2014/main" id="{1A9C9A37-2898-484D-B140-BC001B6F8C65}"/>
+              </a:ext>
+            </a:extLst>
+          </p:cNvPr>
+          <p:cNvPicPr>
+            <a:picLocks noChangeAspect="1"/>
+          </p:cNvPicPr>
+          <p:nvPr/>
+        </p:nvPicPr>
+        <p:blipFill>
+          <a:blip r:embed="rId2"/>
+          <a:stretch>
+            <a:fillRect/>
+          </a:stretch>
+        </p:blipFill>
+        <p:spPr>
+          <a:xfrm>
+            <a:off x="0" y="1579282"/>
+            <a:ext cx="9144000" cy="5127925"/>
+          </a:xfrm>
+          <a:prstGeom prst="rect">
+            <a:avLst/>
+          </a:prstGeom>
+        </p:spPr>
+      </p:pic>
+      <p:sp>
+        <p:nvSpPr>
+          <p:cNvPr id="4" name="Rectangle 3">
+            <a:extLst>
+              <a:ext uri="{FF2B5EF4-FFF2-40B4-BE49-F238E27FC236}">
+                <a16:creationId xmlns:a16="http://schemas.microsoft.com/office/drawing/2014/main" id="{28062FD5-E7F0-4A54-89D7-1F3002B5747C}"/>
+              </a:ext>
+            </a:extLst>
+          </p:cNvPr>
+          <p:cNvSpPr/>
+          <p:nvPr/>
+        </p:nvSpPr>
+        <p:spPr>
+          <a:xfrm>
+            <a:off x="0" y="6345195"/>
+            <a:ext cx="9144000" cy="512804"/>
+          </a:xfrm>
+          <a:prstGeom prst="rect">
+            <a:avLst/>
+          </a:prstGeom>
+          <a:solidFill>
+            <a:schemeClr val="bg1"/>
+          </a:solidFill>
+          <a:ln>
+            <a:noFill/>
+          </a:ln>
+        </p:spPr>
+        <p:style>
+          <a:lnRef idx="2">
+            <a:schemeClr val="accent1">
+              <a:shade val="50000"/>
+            </a:schemeClr>
+          </a:lnRef>
+          <a:fillRef idx="1">
+            <a:schemeClr val="accent1"/>
+          </a:fillRef>
+          <a:effectRef idx="0">
+            <a:schemeClr val="accent1"/>
+          </a:effectRef>
+          <a:fontRef idx="minor">
+            <a:schemeClr val="lt1"/>
+          </a:fontRef>
+        </p:style>
+        <p:txBody>
+          <a:bodyPr rtlCol="0" anchor="ctr"/>
+          <a:lstStyle/>
+          <a:p>
+            <a:pPr algn="ctr"/>
+            <a:endParaRPr lang="en-US"/>
+          </a:p>
+        </p:txBody>
+      </p:sp>
+    </p:spTree>
+    <p:extLst>
+      <p:ext uri="{BB962C8B-B14F-4D97-AF65-F5344CB8AC3E}">
+        <p14:creationId xmlns:p14="http://schemas.microsoft.com/office/powerpoint/2010/main" val="1415617058"/>
+      </p:ext>
+    </p:extLst>
+  </p:cSld>
+  <p:clrMapOvr>
+    <a:masterClrMapping/>
+  </p:clrMapOvr>
+</p:sld>
+</file>
+
+<file path=ppt/slides/slide13.xml><?xml version="1.0" encoding="utf-8"?>
+<p:sld xmlns:a="http://schemas.openxmlformats.org/drawingml/2006/main" xmlns:r="http://schemas.openxmlformats.org/officeDocument/2006/relationships" xmlns:p="http://schemas.openxmlformats.org/presentationml/2006/main">
+  <p:cSld>
+    <p:spTree>
+      <p:nvGrpSpPr>
+        <p:cNvPr id="1" name=""/>
+        <p:cNvGrpSpPr/>
+        <p:nvPr/>
+      </p:nvGrpSpPr>
+      <p:grpSpPr>
+        <a:xfrm>
+          <a:off x="0" y="0"/>
+          <a:ext cx="0" cy="0"/>
+          <a:chOff x="0" y="0"/>
+          <a:chExt cx="0" cy="0"/>
+        </a:xfrm>
+      </p:grpSpPr>
+      <p:sp>
+        <p:nvSpPr>
+          <p:cNvPr id="2" name="Title 1"/>
+          <p:cNvSpPr>
+            <a:spLocks noGrp="1"/>
+          </p:cNvSpPr>
+          <p:nvPr>
+            <p:ph type="title"/>
+          </p:nvPr>
+        </p:nvSpPr>
+        <p:spPr/>
+        <p:txBody>
+          <a:bodyPr/>
+          <a:lstStyle/>
+          <a:p>
+            <a:r>
+              <a:rPr lang="en-US" dirty="0"/>
+              <a:t>Sequence Diagram</a:t>
+            </a:r>
+          </a:p>
+        </p:txBody>
+      </p:sp>
+      <p:pic>
+        <p:nvPicPr>
+          <p:cNvPr id="6" name="Picture 5">
+            <a:extLst>
+              <a:ext uri="{FF2B5EF4-FFF2-40B4-BE49-F238E27FC236}">
+                <a16:creationId xmlns:a16="http://schemas.microsoft.com/office/drawing/2014/main" id="{1A9C9A37-2898-484D-B140-BC001B6F8C65}"/>
+              </a:ext>
+            </a:extLst>
+          </p:cNvPr>
+          <p:cNvPicPr>
+            <a:picLocks noChangeAspect="1"/>
+          </p:cNvPicPr>
+          <p:nvPr/>
+        </p:nvPicPr>
+        <p:blipFill>
+          <a:blip r:embed="rId2"/>
+          <a:stretch>
+            <a:fillRect/>
+          </a:stretch>
+        </p:blipFill>
+        <p:spPr>
+          <a:xfrm>
+            <a:off x="0" y="1579282"/>
+            <a:ext cx="9144000" cy="5127925"/>
+          </a:xfrm>
+          <a:prstGeom prst="rect">
+            <a:avLst/>
+          </a:prstGeom>
+        </p:spPr>
+      </p:pic>
+    </p:spTree>
+    <p:extLst>
+      <p:ext uri="{BB962C8B-B14F-4D97-AF65-F5344CB8AC3E}">
+        <p14:creationId xmlns:p14="http://schemas.microsoft.com/office/powerpoint/2010/main" val="2156574314"/>
+      </p:ext>
+    </p:extLst>
+  </p:cSld>
+  <p:clrMapOvr>
+    <a:masterClrMapping/>
+  </p:clrMapOvr>
+</p:sld>
+</file>
+
+<file path=ppt/slides/slide14.xml><?xml version="1.0" encoding="utf-8"?>
+<p:sld xmlns:a="http://schemas.openxmlformats.org/drawingml/2006/main" xmlns:r="http://schemas.openxmlformats.org/officeDocument/2006/relationships" xmlns:p="http://schemas.openxmlformats.org/presentationml/2006/main">
+  <p:cSld>
+    <p:spTree>
+      <p:nvGrpSpPr>
+        <p:cNvPr id="1" name=""/>
+        <p:cNvGrpSpPr/>
+        <p:nvPr/>
+      </p:nvGrpSpPr>
+      <p:grpSpPr>
+        <a:xfrm>
+          <a:off x="0" y="0"/>
+          <a:ext cx="0" cy="0"/>
+          <a:chOff x="0" y="0"/>
+          <a:chExt cx="0" cy="0"/>
+        </a:xfrm>
+      </p:grpSpPr>
+      <p:sp>
+        <p:nvSpPr>
+          <p:cNvPr id="3" name="Content Placeholder 2"/>
+          <p:cNvSpPr>
+            <a:spLocks noGrp="1"/>
+          </p:cNvSpPr>
+          <p:nvPr>
+            <p:ph idx="1"/>
+          </p:nvPr>
+        </p:nvSpPr>
+        <p:spPr>
+          <a:xfrm>
+            <a:off x="219545" y="1152287"/>
+            <a:ext cx="2222572" cy="4525963"/>
+          </a:xfrm>
+        </p:spPr>
+        <p:txBody>
+          <a:bodyPr>
+            <a:normAutofit/>
+          </a:bodyPr>
+          <a:lstStyle/>
+          <a:p>
+            <a:pPr>
+              <a:spcAft>
+                <a:spcPts val="600"/>
+              </a:spcAft>
+            </a:pPr>
+            <a:r>
+              <a:rPr lang="en-US" sz="1600" dirty="0"/>
+              <a:t>We used real-world energy production / consumption data from a German </a:t>
+            </a:r>
+            <a:r>
+              <a:rPr lang="en-US" sz="1600" dirty="0" err="1"/>
+              <a:t>microgrid</a:t>
+            </a:r>
+            <a:r>
+              <a:rPr lang="en-US" sz="1600" dirty="0"/>
+              <a:t> provided by Siemens, CT</a:t>
+            </a:r>
+          </a:p>
+          <a:p>
+            <a:pPr>
+              <a:spcAft>
+                <a:spcPts val="600"/>
+              </a:spcAft>
+            </a:pPr>
+            <a:r>
+              <a:rPr lang="en-US" sz="1600" dirty="0"/>
+              <a:t>We deployed our system on a </a:t>
+            </a:r>
+            <a:r>
+              <a:rPr lang="en-US" sz="1600" b="1" dirty="0"/>
+              <a:t>private</a:t>
+            </a:r>
+            <a:r>
+              <a:rPr lang="en-US" sz="1600" dirty="0"/>
+              <a:t> Ethereum network </a:t>
+            </a:r>
+            <a:endParaRPr lang="en-US" sz="1600" dirty="0" smtClean="0"/>
+          </a:p>
+          <a:p>
+            <a:pPr>
+              <a:spcAft>
+                <a:spcPts val="600"/>
+              </a:spcAft>
+            </a:pPr>
+            <a:r>
+              <a:rPr lang="en-US" sz="1600" dirty="0" smtClean="0"/>
+              <a:t>5 producers</a:t>
+            </a:r>
+          </a:p>
+          <a:p>
+            <a:pPr>
+              <a:spcAft>
+                <a:spcPts val="600"/>
+              </a:spcAft>
+            </a:pPr>
+            <a:r>
+              <a:rPr lang="en-US" sz="1600" dirty="0" smtClean="0"/>
+              <a:t>~97 consumers</a:t>
+            </a:r>
+            <a:endParaRPr lang="en-US" sz="1600" dirty="0"/>
+          </a:p>
+        </p:txBody>
+      </p:sp>
+      <p:sp>
+        <p:nvSpPr>
+          <p:cNvPr id="2" name="Title 1"/>
+          <p:cNvSpPr>
+            <a:spLocks noGrp="1"/>
+          </p:cNvSpPr>
+          <p:nvPr>
+            <p:ph type="title"/>
+          </p:nvPr>
+        </p:nvSpPr>
+        <p:spPr>
+          <a:xfrm>
+            <a:off x="483685" y="-92074"/>
+            <a:ext cx="7886700" cy="1325563"/>
+          </a:xfrm>
+        </p:spPr>
+        <p:txBody>
+          <a:bodyPr>
+            <a:normAutofit/>
+          </a:bodyPr>
+          <a:lstStyle/>
+          <a:p>
+            <a:r>
+              <a:rPr lang="en-US" sz="3600" dirty="0"/>
+              <a:t>Evaluation</a:t>
+            </a:r>
+          </a:p>
+        </p:txBody>
+      </p:sp>
+      <p:pic>
+        <p:nvPicPr>
+          <p:cNvPr id="9" name="Online Media 8">
+            <a:hlinkClick r:id="" action="ppaction://media"/>
+            <a:extLst>
+              <a:ext uri="{FF2B5EF4-FFF2-40B4-BE49-F238E27FC236}">
+                <a16:creationId xmlns:a16="http://schemas.microsoft.com/office/drawing/2014/main" id="{94E480FF-5629-4F5A-A451-CD85793EBDF6}"/>
+              </a:ext>
+            </a:extLst>
+          </p:cNvPr>
+          <p:cNvPicPr>
+            <a:picLocks noRot="1" noChangeAspect="1"/>
+          </p:cNvPicPr>
+          <p:nvPr>
+            <a:videoFile r:link="rId1"/>
+          </p:nvPr>
+        </p:nvPicPr>
+        <p:blipFill>
+          <a:blip r:embed="rId3"/>
+          <a:stretch>
+            <a:fillRect/>
+          </a:stretch>
+        </p:blipFill>
+        <p:spPr>
+          <a:xfrm>
+            <a:off x="3054285" y="98486"/>
+            <a:ext cx="5791674" cy="3506341"/>
           </a:xfrm>
           <a:prstGeom prst="rect">
             <a:avLst/>
@@ -8623,37 +9058,13 @@
       </p:pic>
       <p:pic>
         <p:nvPicPr>
-          <p:cNvPr id="6" name="Picture 5"/>
-          <p:cNvPicPr>
-            <a:picLocks noChangeAspect="1"/>
-          </p:cNvPicPr>
-          <p:nvPr/>
-        </p:nvPicPr>
-        <p:blipFill>
-          <a:blip r:embed="rId3" cstate="print">
+          <p:cNvPr id="6" name="Picture 5">
             <a:extLst>
-              <a:ext uri="{28A0092B-C50C-407E-A947-70E740481C1C}">
-                <a14:useLocalDpi xmlns:a14="http://schemas.microsoft.com/office/drawing/2010/main" val="0"/>
+              <a:ext uri="{FF2B5EF4-FFF2-40B4-BE49-F238E27FC236}">
+                <a16:creationId xmlns:a16="http://schemas.microsoft.com/office/drawing/2014/main" id="{C403A1F9-E288-4BE2-912B-257CFCB67E8E}"/>
               </a:ext>
             </a:extLst>
-          </a:blip>
-          <a:stretch>
-            <a:fillRect/>
-          </a:stretch>
-        </p:blipFill>
-        <p:spPr>
-          <a:xfrm>
-            <a:off x="219545" y="4282917"/>
-            <a:ext cx="3540700" cy="2230667"/>
-          </a:xfrm>
-          <a:prstGeom prst="rect">
-            <a:avLst/>
-          </a:prstGeom>
-        </p:spPr>
-      </p:pic>
-      <p:pic>
-        <p:nvPicPr>
-          <p:cNvPr id="7" name="Picture 6"/>
+          </p:cNvPr>
           <p:cNvPicPr>
             <a:picLocks noChangeAspect="1"/>
           </p:cNvPicPr>
@@ -8667,8 +9078,8 @@
         </p:blipFill>
         <p:spPr>
           <a:xfrm>
-            <a:off x="2739889" y="948362"/>
-            <a:ext cx="6339488" cy="2499221"/>
+            <a:off x="3418882" y="3740597"/>
+            <a:ext cx="5193778" cy="2919602"/>
           </a:xfrm>
           <a:prstGeom prst="rect">
             <a:avLst/>
@@ -8700,10 +9111,1155 @@
   <p:timing>
     <p:tnLst>
       <p:par>
-        <p:cTn id="1" dur="indefinite" restart="never" nodeType="tmRoot"/>
+        <p:cTn id="1" dur="indefinite" restart="never" nodeType="tmRoot">
+          <p:childTnLst>
+            <p:seq concurrent="1" nextAc="seek">
+              <p:cTn id="2" restart="whenNotActive" fill="hold" evtFilter="cancelBubble" nodeType="interactiveSeq">
+                <p:stCondLst>
+                  <p:cond evt="onClick" delay="0">
+                    <p:tgtEl>
+                      <p:spTgt spid="9"/>
+                    </p:tgtEl>
+                  </p:cond>
+                </p:stCondLst>
+                <p:endSync evt="end" delay="0">
+                  <p:rtn val="all"/>
+                </p:endSync>
+                <p:childTnLst>
+                  <p:par>
+                    <p:cTn id="3" fill="hold">
+                      <p:stCondLst>
+                        <p:cond delay="0"/>
+                      </p:stCondLst>
+                      <p:childTnLst>
+                        <p:par>
+                          <p:cTn id="4" fill="hold">
+                            <p:stCondLst>
+                              <p:cond delay="0"/>
+                            </p:stCondLst>
+                            <p:childTnLst>
+                              <p:par>
+                                <p:cTn id="5" presetID="2" presetClass="mediacall" presetSubtype="0" fill="hold" nodeType="clickEffect">
+                                  <p:stCondLst>
+                                    <p:cond delay="0"/>
+                                  </p:stCondLst>
+                                  <p:childTnLst>
+                                    <p:cmd type="call" cmd="togglePause">
+                                      <p:cBhvr>
+                                        <p:cTn id="6" dur="1" fill="hold"/>
+                                        <p:tgtEl>
+                                          <p:spTgt spid="9"/>
+                                        </p:tgtEl>
+                                      </p:cBhvr>
+                                    </p:cmd>
+                                  </p:childTnLst>
+                                </p:cTn>
+                              </p:par>
+                            </p:childTnLst>
+                          </p:cTn>
+                        </p:par>
+                      </p:childTnLst>
+                    </p:cTn>
+                  </p:par>
+                </p:childTnLst>
+              </p:cTn>
+              <p:nextCondLst>
+                <p:cond evt="onClick" delay="0">
+                  <p:tgtEl>
+                    <p:spTgt spid="9"/>
+                  </p:tgtEl>
+                </p:cond>
+              </p:nextCondLst>
+            </p:seq>
+            <p:video>
+              <p:cMediaNode>
+                <p:cTn id="7" fill="hold" display="0">
+                  <p:stCondLst>
+                    <p:cond delay="indefinite"/>
+                  </p:stCondLst>
+                </p:cTn>
+                <p:tgtEl>
+                  <p:spTgt spid="9"/>
+                </p:tgtEl>
+              </p:cMediaNode>
+            </p:video>
+          </p:childTnLst>
+        </p:cTn>
       </p:par>
     </p:tnLst>
   </p:timing>
+</p:sld>
+</file>
+
+<file path=ppt/slides/slide2.xml><?xml version="1.0" encoding="utf-8"?>
+<p:sld xmlns:a="http://schemas.openxmlformats.org/drawingml/2006/main" xmlns:r="http://schemas.openxmlformats.org/officeDocument/2006/relationships" xmlns:p="http://schemas.openxmlformats.org/presentationml/2006/main">
+  <p:cSld>
+    <p:spTree>
+      <p:nvGrpSpPr>
+        <p:cNvPr id="1" name=""/>
+        <p:cNvGrpSpPr/>
+        <p:nvPr/>
+      </p:nvGrpSpPr>
+      <p:grpSpPr>
+        <a:xfrm>
+          <a:off x="0" y="0"/>
+          <a:ext cx="0" cy="0"/>
+          <a:chOff x="0" y="0"/>
+          <a:chExt cx="0" cy="0"/>
+        </a:xfrm>
+      </p:grpSpPr>
+      <p:sp>
+        <p:nvSpPr>
+          <p:cNvPr id="2" name="Title 1"/>
+          <p:cNvSpPr>
+            <a:spLocks noGrp="1"/>
+          </p:cNvSpPr>
+          <p:nvPr>
+            <p:ph type="title"/>
+          </p:nvPr>
+        </p:nvSpPr>
+        <p:spPr/>
+        <p:txBody>
+          <a:bodyPr/>
+          <a:lstStyle/>
+          <a:p>
+            <a:r>
+              <a:rPr lang="en-US" dirty="0"/>
+              <a:t>Sequence Diagram</a:t>
+            </a:r>
+          </a:p>
+        </p:txBody>
+      </p:sp>
+      <p:pic>
+        <p:nvPicPr>
+          <p:cNvPr id="6" name="Picture 5">
+            <a:extLst>
+              <a:ext uri="{FF2B5EF4-FFF2-40B4-BE49-F238E27FC236}">
+                <a16:creationId xmlns:a16="http://schemas.microsoft.com/office/drawing/2014/main" id="{1A9C9A37-2898-484D-B140-BC001B6F8C65}"/>
+              </a:ext>
+            </a:extLst>
+          </p:cNvPr>
+          <p:cNvPicPr>
+            <a:picLocks noChangeAspect="1"/>
+          </p:cNvPicPr>
+          <p:nvPr/>
+        </p:nvPicPr>
+        <p:blipFill>
+          <a:blip r:embed="rId2"/>
+          <a:stretch>
+            <a:fillRect/>
+          </a:stretch>
+        </p:blipFill>
+        <p:spPr>
+          <a:xfrm>
+            <a:off x="0" y="1579282"/>
+            <a:ext cx="9144000" cy="5127925"/>
+          </a:xfrm>
+          <a:prstGeom prst="rect">
+            <a:avLst/>
+          </a:prstGeom>
+        </p:spPr>
+      </p:pic>
+      <p:sp>
+        <p:nvSpPr>
+          <p:cNvPr id="4" name="Rectangle 3">
+            <a:extLst>
+              <a:ext uri="{FF2B5EF4-FFF2-40B4-BE49-F238E27FC236}">
+                <a16:creationId xmlns:a16="http://schemas.microsoft.com/office/drawing/2014/main" id="{28062FD5-E7F0-4A54-89D7-1F3002B5747C}"/>
+              </a:ext>
+            </a:extLst>
+          </p:cNvPr>
+          <p:cNvSpPr/>
+          <p:nvPr/>
+        </p:nvSpPr>
+        <p:spPr>
+          <a:xfrm>
+            <a:off x="0" y="2397211"/>
+            <a:ext cx="9144000" cy="4460788"/>
+          </a:xfrm>
+          <a:prstGeom prst="rect">
+            <a:avLst/>
+          </a:prstGeom>
+          <a:solidFill>
+            <a:schemeClr val="bg1"/>
+          </a:solidFill>
+          <a:ln>
+            <a:noFill/>
+          </a:ln>
+        </p:spPr>
+        <p:style>
+          <a:lnRef idx="2">
+            <a:schemeClr val="accent1">
+              <a:shade val="50000"/>
+            </a:schemeClr>
+          </a:lnRef>
+          <a:fillRef idx="1">
+            <a:schemeClr val="accent1"/>
+          </a:fillRef>
+          <a:effectRef idx="0">
+            <a:schemeClr val="accent1"/>
+          </a:effectRef>
+          <a:fontRef idx="minor">
+            <a:schemeClr val="lt1"/>
+          </a:fontRef>
+        </p:style>
+        <p:txBody>
+          <a:bodyPr rtlCol="0" anchor="ctr"/>
+          <a:lstStyle/>
+          <a:p>
+            <a:pPr algn="ctr"/>
+            <a:endParaRPr lang="en-US"/>
+          </a:p>
+        </p:txBody>
+      </p:sp>
+    </p:spTree>
+    <p:extLst>
+      <p:ext uri="{BB962C8B-B14F-4D97-AF65-F5344CB8AC3E}">
+        <p14:creationId xmlns:p14="http://schemas.microsoft.com/office/powerpoint/2010/main" val="2763438835"/>
+      </p:ext>
+    </p:extLst>
+  </p:cSld>
+  <p:clrMapOvr>
+    <a:masterClrMapping/>
+  </p:clrMapOvr>
+</p:sld>
+</file>
+
+<file path=ppt/slides/slide3.xml><?xml version="1.0" encoding="utf-8"?>
+<p:sld xmlns:a="http://schemas.openxmlformats.org/drawingml/2006/main" xmlns:r="http://schemas.openxmlformats.org/officeDocument/2006/relationships" xmlns:p="http://schemas.openxmlformats.org/presentationml/2006/main">
+  <p:cSld>
+    <p:spTree>
+      <p:nvGrpSpPr>
+        <p:cNvPr id="1" name=""/>
+        <p:cNvGrpSpPr/>
+        <p:nvPr/>
+      </p:nvGrpSpPr>
+      <p:grpSpPr>
+        <a:xfrm>
+          <a:off x="0" y="0"/>
+          <a:ext cx="0" cy="0"/>
+          <a:chOff x="0" y="0"/>
+          <a:chExt cx="0" cy="0"/>
+        </a:xfrm>
+      </p:grpSpPr>
+      <p:sp>
+        <p:nvSpPr>
+          <p:cNvPr id="2" name="Title 1"/>
+          <p:cNvSpPr>
+            <a:spLocks noGrp="1"/>
+          </p:cNvSpPr>
+          <p:nvPr>
+            <p:ph type="title"/>
+          </p:nvPr>
+        </p:nvSpPr>
+        <p:spPr/>
+        <p:txBody>
+          <a:bodyPr/>
+          <a:lstStyle/>
+          <a:p>
+            <a:r>
+              <a:rPr lang="en-US" dirty="0"/>
+              <a:t>Sequence Diagram</a:t>
+            </a:r>
+          </a:p>
+        </p:txBody>
+      </p:sp>
+      <p:pic>
+        <p:nvPicPr>
+          <p:cNvPr id="6" name="Picture 5">
+            <a:extLst>
+              <a:ext uri="{FF2B5EF4-FFF2-40B4-BE49-F238E27FC236}">
+                <a16:creationId xmlns:a16="http://schemas.microsoft.com/office/drawing/2014/main" id="{1A9C9A37-2898-484D-B140-BC001B6F8C65}"/>
+              </a:ext>
+            </a:extLst>
+          </p:cNvPr>
+          <p:cNvPicPr>
+            <a:picLocks noChangeAspect="1"/>
+          </p:cNvPicPr>
+          <p:nvPr/>
+        </p:nvPicPr>
+        <p:blipFill>
+          <a:blip r:embed="rId2"/>
+          <a:stretch>
+            <a:fillRect/>
+          </a:stretch>
+        </p:blipFill>
+        <p:spPr>
+          <a:xfrm>
+            <a:off x="0" y="1579282"/>
+            <a:ext cx="9144000" cy="5127925"/>
+          </a:xfrm>
+          <a:prstGeom prst="rect">
+            <a:avLst/>
+          </a:prstGeom>
+        </p:spPr>
+      </p:pic>
+      <p:sp>
+        <p:nvSpPr>
+          <p:cNvPr id="4" name="Rectangle 3">
+            <a:extLst>
+              <a:ext uri="{FF2B5EF4-FFF2-40B4-BE49-F238E27FC236}">
+                <a16:creationId xmlns:a16="http://schemas.microsoft.com/office/drawing/2014/main" id="{28062FD5-E7F0-4A54-89D7-1F3002B5747C}"/>
+              </a:ext>
+            </a:extLst>
+          </p:cNvPr>
+          <p:cNvSpPr/>
+          <p:nvPr/>
+        </p:nvSpPr>
+        <p:spPr>
+          <a:xfrm>
+            <a:off x="0" y="2644346"/>
+            <a:ext cx="9144000" cy="4213653"/>
+          </a:xfrm>
+          <a:prstGeom prst="rect">
+            <a:avLst/>
+          </a:prstGeom>
+          <a:solidFill>
+            <a:schemeClr val="bg1"/>
+          </a:solidFill>
+          <a:ln>
+            <a:noFill/>
+          </a:ln>
+        </p:spPr>
+        <p:style>
+          <a:lnRef idx="2">
+            <a:schemeClr val="accent1">
+              <a:shade val="50000"/>
+            </a:schemeClr>
+          </a:lnRef>
+          <a:fillRef idx="1">
+            <a:schemeClr val="accent1"/>
+          </a:fillRef>
+          <a:effectRef idx="0">
+            <a:schemeClr val="accent1"/>
+          </a:effectRef>
+          <a:fontRef idx="minor">
+            <a:schemeClr val="lt1"/>
+          </a:fontRef>
+        </p:style>
+        <p:txBody>
+          <a:bodyPr rtlCol="0" anchor="ctr"/>
+          <a:lstStyle/>
+          <a:p>
+            <a:pPr algn="ctr"/>
+            <a:endParaRPr lang="en-US"/>
+          </a:p>
+        </p:txBody>
+      </p:sp>
+    </p:spTree>
+    <p:extLst>
+      <p:ext uri="{BB962C8B-B14F-4D97-AF65-F5344CB8AC3E}">
+        <p14:creationId xmlns:p14="http://schemas.microsoft.com/office/powerpoint/2010/main" val="2629453552"/>
+      </p:ext>
+    </p:extLst>
+  </p:cSld>
+  <p:clrMapOvr>
+    <a:masterClrMapping/>
+  </p:clrMapOvr>
+</p:sld>
+</file>
+
+<file path=ppt/slides/slide4.xml><?xml version="1.0" encoding="utf-8"?>
+<p:sld xmlns:a="http://schemas.openxmlformats.org/drawingml/2006/main" xmlns:r="http://schemas.openxmlformats.org/officeDocument/2006/relationships" xmlns:p="http://schemas.openxmlformats.org/presentationml/2006/main">
+  <p:cSld>
+    <p:spTree>
+      <p:nvGrpSpPr>
+        <p:cNvPr id="1" name=""/>
+        <p:cNvGrpSpPr/>
+        <p:nvPr/>
+      </p:nvGrpSpPr>
+      <p:grpSpPr>
+        <a:xfrm>
+          <a:off x="0" y="0"/>
+          <a:ext cx="0" cy="0"/>
+          <a:chOff x="0" y="0"/>
+          <a:chExt cx="0" cy="0"/>
+        </a:xfrm>
+      </p:grpSpPr>
+      <p:sp>
+        <p:nvSpPr>
+          <p:cNvPr id="2" name="Title 1"/>
+          <p:cNvSpPr>
+            <a:spLocks noGrp="1"/>
+          </p:cNvSpPr>
+          <p:nvPr>
+            <p:ph type="title"/>
+          </p:nvPr>
+        </p:nvSpPr>
+        <p:spPr/>
+        <p:txBody>
+          <a:bodyPr/>
+          <a:lstStyle/>
+          <a:p>
+            <a:r>
+              <a:rPr lang="en-US" dirty="0"/>
+              <a:t>Sequence Diagram</a:t>
+            </a:r>
+          </a:p>
+        </p:txBody>
+      </p:sp>
+      <p:pic>
+        <p:nvPicPr>
+          <p:cNvPr id="6" name="Picture 5">
+            <a:extLst>
+              <a:ext uri="{FF2B5EF4-FFF2-40B4-BE49-F238E27FC236}">
+                <a16:creationId xmlns:a16="http://schemas.microsoft.com/office/drawing/2014/main" id="{1A9C9A37-2898-484D-B140-BC001B6F8C65}"/>
+              </a:ext>
+            </a:extLst>
+          </p:cNvPr>
+          <p:cNvPicPr>
+            <a:picLocks noChangeAspect="1"/>
+          </p:cNvPicPr>
+          <p:nvPr/>
+        </p:nvPicPr>
+        <p:blipFill>
+          <a:blip r:embed="rId2"/>
+          <a:stretch>
+            <a:fillRect/>
+          </a:stretch>
+        </p:blipFill>
+        <p:spPr>
+          <a:xfrm>
+            <a:off x="0" y="1579282"/>
+            <a:ext cx="9144000" cy="5127925"/>
+          </a:xfrm>
+          <a:prstGeom prst="rect">
+            <a:avLst/>
+          </a:prstGeom>
+        </p:spPr>
+      </p:pic>
+      <p:sp>
+        <p:nvSpPr>
+          <p:cNvPr id="4" name="Rectangle 3">
+            <a:extLst>
+              <a:ext uri="{FF2B5EF4-FFF2-40B4-BE49-F238E27FC236}">
+                <a16:creationId xmlns:a16="http://schemas.microsoft.com/office/drawing/2014/main" id="{28062FD5-E7F0-4A54-89D7-1F3002B5747C}"/>
+              </a:ext>
+            </a:extLst>
+          </p:cNvPr>
+          <p:cNvSpPr/>
+          <p:nvPr/>
+        </p:nvSpPr>
+        <p:spPr>
+          <a:xfrm>
+            <a:off x="0" y="2829697"/>
+            <a:ext cx="9144000" cy="4028301"/>
+          </a:xfrm>
+          <a:prstGeom prst="rect">
+            <a:avLst/>
+          </a:prstGeom>
+          <a:solidFill>
+            <a:schemeClr val="bg1"/>
+          </a:solidFill>
+          <a:ln>
+            <a:noFill/>
+          </a:ln>
+        </p:spPr>
+        <p:style>
+          <a:lnRef idx="2">
+            <a:schemeClr val="accent1">
+              <a:shade val="50000"/>
+            </a:schemeClr>
+          </a:lnRef>
+          <a:fillRef idx="1">
+            <a:schemeClr val="accent1"/>
+          </a:fillRef>
+          <a:effectRef idx="0">
+            <a:schemeClr val="accent1"/>
+          </a:effectRef>
+          <a:fontRef idx="minor">
+            <a:schemeClr val="lt1"/>
+          </a:fontRef>
+        </p:style>
+        <p:txBody>
+          <a:bodyPr rtlCol="0" anchor="ctr"/>
+          <a:lstStyle/>
+          <a:p>
+            <a:pPr algn="ctr"/>
+            <a:endParaRPr lang="en-US"/>
+          </a:p>
+        </p:txBody>
+      </p:sp>
+    </p:spTree>
+    <p:extLst>
+      <p:ext uri="{BB962C8B-B14F-4D97-AF65-F5344CB8AC3E}">
+        <p14:creationId xmlns:p14="http://schemas.microsoft.com/office/powerpoint/2010/main" val="1500978928"/>
+      </p:ext>
+    </p:extLst>
+  </p:cSld>
+  <p:clrMapOvr>
+    <a:masterClrMapping/>
+  </p:clrMapOvr>
+</p:sld>
+</file>
+
+<file path=ppt/slides/slide5.xml><?xml version="1.0" encoding="utf-8"?>
+<p:sld xmlns:a="http://schemas.openxmlformats.org/drawingml/2006/main" xmlns:r="http://schemas.openxmlformats.org/officeDocument/2006/relationships" xmlns:p="http://schemas.openxmlformats.org/presentationml/2006/main">
+  <p:cSld>
+    <p:spTree>
+      <p:nvGrpSpPr>
+        <p:cNvPr id="1" name=""/>
+        <p:cNvGrpSpPr/>
+        <p:nvPr/>
+      </p:nvGrpSpPr>
+      <p:grpSpPr>
+        <a:xfrm>
+          <a:off x="0" y="0"/>
+          <a:ext cx="0" cy="0"/>
+          <a:chOff x="0" y="0"/>
+          <a:chExt cx="0" cy="0"/>
+        </a:xfrm>
+      </p:grpSpPr>
+      <p:sp>
+        <p:nvSpPr>
+          <p:cNvPr id="2" name="Title 1"/>
+          <p:cNvSpPr>
+            <a:spLocks noGrp="1"/>
+          </p:cNvSpPr>
+          <p:nvPr>
+            <p:ph type="title"/>
+          </p:nvPr>
+        </p:nvSpPr>
+        <p:spPr/>
+        <p:txBody>
+          <a:bodyPr/>
+          <a:lstStyle/>
+          <a:p>
+            <a:r>
+              <a:rPr lang="en-US" dirty="0"/>
+              <a:t>Sequence Diagram</a:t>
+            </a:r>
+          </a:p>
+        </p:txBody>
+      </p:sp>
+      <p:pic>
+        <p:nvPicPr>
+          <p:cNvPr id="6" name="Picture 5">
+            <a:extLst>
+              <a:ext uri="{FF2B5EF4-FFF2-40B4-BE49-F238E27FC236}">
+                <a16:creationId xmlns:a16="http://schemas.microsoft.com/office/drawing/2014/main" id="{1A9C9A37-2898-484D-B140-BC001B6F8C65}"/>
+              </a:ext>
+            </a:extLst>
+          </p:cNvPr>
+          <p:cNvPicPr>
+            <a:picLocks noChangeAspect="1"/>
+          </p:cNvPicPr>
+          <p:nvPr/>
+        </p:nvPicPr>
+        <p:blipFill>
+          <a:blip r:embed="rId2"/>
+          <a:stretch>
+            <a:fillRect/>
+          </a:stretch>
+        </p:blipFill>
+        <p:spPr>
+          <a:xfrm>
+            <a:off x="0" y="1579282"/>
+            <a:ext cx="9144000" cy="5127925"/>
+          </a:xfrm>
+          <a:prstGeom prst="rect">
+            <a:avLst/>
+          </a:prstGeom>
+        </p:spPr>
+      </p:pic>
+      <p:sp>
+        <p:nvSpPr>
+          <p:cNvPr id="4" name="Rectangle 3">
+            <a:extLst>
+              <a:ext uri="{FF2B5EF4-FFF2-40B4-BE49-F238E27FC236}">
+                <a16:creationId xmlns:a16="http://schemas.microsoft.com/office/drawing/2014/main" id="{28062FD5-E7F0-4A54-89D7-1F3002B5747C}"/>
+              </a:ext>
+            </a:extLst>
+          </p:cNvPr>
+          <p:cNvSpPr/>
+          <p:nvPr/>
+        </p:nvSpPr>
+        <p:spPr>
+          <a:xfrm>
+            <a:off x="0" y="3700849"/>
+            <a:ext cx="9144000" cy="3157151"/>
+          </a:xfrm>
+          <a:prstGeom prst="rect">
+            <a:avLst/>
+          </a:prstGeom>
+          <a:solidFill>
+            <a:schemeClr val="bg1"/>
+          </a:solidFill>
+          <a:ln>
+            <a:noFill/>
+          </a:ln>
+        </p:spPr>
+        <p:style>
+          <a:lnRef idx="2">
+            <a:schemeClr val="accent1">
+              <a:shade val="50000"/>
+            </a:schemeClr>
+          </a:lnRef>
+          <a:fillRef idx="1">
+            <a:schemeClr val="accent1"/>
+          </a:fillRef>
+          <a:effectRef idx="0">
+            <a:schemeClr val="accent1"/>
+          </a:effectRef>
+          <a:fontRef idx="minor">
+            <a:schemeClr val="lt1"/>
+          </a:fontRef>
+        </p:style>
+        <p:txBody>
+          <a:bodyPr rtlCol="0" anchor="ctr"/>
+          <a:lstStyle/>
+          <a:p>
+            <a:pPr algn="ctr"/>
+            <a:endParaRPr lang="en-US"/>
+          </a:p>
+        </p:txBody>
+      </p:sp>
+    </p:spTree>
+    <p:extLst>
+      <p:ext uri="{BB962C8B-B14F-4D97-AF65-F5344CB8AC3E}">
+        <p14:creationId xmlns:p14="http://schemas.microsoft.com/office/powerpoint/2010/main" val="2870103480"/>
+      </p:ext>
+    </p:extLst>
+  </p:cSld>
+  <p:clrMapOvr>
+    <a:masterClrMapping/>
+  </p:clrMapOvr>
+</p:sld>
+</file>
+
+<file path=ppt/slides/slide6.xml><?xml version="1.0" encoding="utf-8"?>
+<p:sld xmlns:a="http://schemas.openxmlformats.org/drawingml/2006/main" xmlns:r="http://schemas.openxmlformats.org/officeDocument/2006/relationships" xmlns:p="http://schemas.openxmlformats.org/presentationml/2006/main">
+  <p:cSld>
+    <p:spTree>
+      <p:nvGrpSpPr>
+        <p:cNvPr id="1" name=""/>
+        <p:cNvGrpSpPr/>
+        <p:nvPr/>
+      </p:nvGrpSpPr>
+      <p:grpSpPr>
+        <a:xfrm>
+          <a:off x="0" y="0"/>
+          <a:ext cx="0" cy="0"/>
+          <a:chOff x="0" y="0"/>
+          <a:chExt cx="0" cy="0"/>
+        </a:xfrm>
+      </p:grpSpPr>
+      <p:sp>
+        <p:nvSpPr>
+          <p:cNvPr id="2" name="Title 1"/>
+          <p:cNvSpPr>
+            <a:spLocks noGrp="1"/>
+          </p:cNvSpPr>
+          <p:nvPr>
+            <p:ph type="title"/>
+          </p:nvPr>
+        </p:nvSpPr>
+        <p:spPr/>
+        <p:txBody>
+          <a:bodyPr/>
+          <a:lstStyle/>
+          <a:p>
+            <a:r>
+              <a:rPr lang="en-US" dirty="0"/>
+              <a:t>Sequence Diagram</a:t>
+            </a:r>
+          </a:p>
+        </p:txBody>
+      </p:sp>
+      <p:pic>
+        <p:nvPicPr>
+          <p:cNvPr id="6" name="Picture 5">
+            <a:extLst>
+              <a:ext uri="{FF2B5EF4-FFF2-40B4-BE49-F238E27FC236}">
+                <a16:creationId xmlns:a16="http://schemas.microsoft.com/office/drawing/2014/main" id="{1A9C9A37-2898-484D-B140-BC001B6F8C65}"/>
+              </a:ext>
+            </a:extLst>
+          </p:cNvPr>
+          <p:cNvPicPr>
+            <a:picLocks noChangeAspect="1"/>
+          </p:cNvPicPr>
+          <p:nvPr/>
+        </p:nvPicPr>
+        <p:blipFill>
+          <a:blip r:embed="rId2"/>
+          <a:stretch>
+            <a:fillRect/>
+          </a:stretch>
+        </p:blipFill>
+        <p:spPr>
+          <a:xfrm>
+            <a:off x="0" y="1579282"/>
+            <a:ext cx="9144000" cy="5127925"/>
+          </a:xfrm>
+          <a:prstGeom prst="rect">
+            <a:avLst/>
+          </a:prstGeom>
+        </p:spPr>
+      </p:pic>
+      <p:sp>
+        <p:nvSpPr>
+          <p:cNvPr id="4" name="Rectangle 3">
+            <a:extLst>
+              <a:ext uri="{FF2B5EF4-FFF2-40B4-BE49-F238E27FC236}">
+                <a16:creationId xmlns:a16="http://schemas.microsoft.com/office/drawing/2014/main" id="{28062FD5-E7F0-4A54-89D7-1F3002B5747C}"/>
+              </a:ext>
+            </a:extLst>
+          </p:cNvPr>
+          <p:cNvSpPr/>
+          <p:nvPr/>
+        </p:nvSpPr>
+        <p:spPr>
+          <a:xfrm>
+            <a:off x="0" y="4120977"/>
+            <a:ext cx="9144000" cy="2737021"/>
+          </a:xfrm>
+          <a:prstGeom prst="rect">
+            <a:avLst/>
+          </a:prstGeom>
+          <a:solidFill>
+            <a:schemeClr val="bg1"/>
+          </a:solidFill>
+          <a:ln>
+            <a:noFill/>
+          </a:ln>
+        </p:spPr>
+        <p:style>
+          <a:lnRef idx="2">
+            <a:schemeClr val="accent1">
+              <a:shade val="50000"/>
+            </a:schemeClr>
+          </a:lnRef>
+          <a:fillRef idx="1">
+            <a:schemeClr val="accent1"/>
+          </a:fillRef>
+          <a:effectRef idx="0">
+            <a:schemeClr val="accent1"/>
+          </a:effectRef>
+          <a:fontRef idx="minor">
+            <a:schemeClr val="lt1"/>
+          </a:fontRef>
+        </p:style>
+        <p:txBody>
+          <a:bodyPr rtlCol="0" anchor="ctr"/>
+          <a:lstStyle/>
+          <a:p>
+            <a:pPr algn="ctr"/>
+            <a:endParaRPr lang="en-US"/>
+          </a:p>
+        </p:txBody>
+      </p:sp>
+    </p:spTree>
+    <p:extLst>
+      <p:ext uri="{BB962C8B-B14F-4D97-AF65-F5344CB8AC3E}">
+        <p14:creationId xmlns:p14="http://schemas.microsoft.com/office/powerpoint/2010/main" val="2345689189"/>
+      </p:ext>
+    </p:extLst>
+  </p:cSld>
+  <p:clrMapOvr>
+    <a:masterClrMapping/>
+  </p:clrMapOvr>
+</p:sld>
+</file>
+
+<file path=ppt/slides/slide7.xml><?xml version="1.0" encoding="utf-8"?>
+<p:sld xmlns:a="http://schemas.openxmlformats.org/drawingml/2006/main" xmlns:r="http://schemas.openxmlformats.org/officeDocument/2006/relationships" xmlns:p="http://schemas.openxmlformats.org/presentationml/2006/main">
+  <p:cSld>
+    <p:spTree>
+      <p:nvGrpSpPr>
+        <p:cNvPr id="1" name=""/>
+        <p:cNvGrpSpPr/>
+        <p:nvPr/>
+      </p:nvGrpSpPr>
+      <p:grpSpPr>
+        <a:xfrm>
+          <a:off x="0" y="0"/>
+          <a:ext cx="0" cy="0"/>
+          <a:chOff x="0" y="0"/>
+          <a:chExt cx="0" cy="0"/>
+        </a:xfrm>
+      </p:grpSpPr>
+      <p:sp>
+        <p:nvSpPr>
+          <p:cNvPr id="2" name="Title 1"/>
+          <p:cNvSpPr>
+            <a:spLocks noGrp="1"/>
+          </p:cNvSpPr>
+          <p:nvPr>
+            <p:ph type="title"/>
+          </p:nvPr>
+        </p:nvSpPr>
+        <p:spPr/>
+        <p:txBody>
+          <a:bodyPr/>
+          <a:lstStyle/>
+          <a:p>
+            <a:r>
+              <a:rPr lang="en-US" dirty="0"/>
+              <a:t>Sequence Diagram</a:t>
+            </a:r>
+          </a:p>
+        </p:txBody>
+      </p:sp>
+      <p:pic>
+        <p:nvPicPr>
+          <p:cNvPr id="6" name="Picture 5">
+            <a:extLst>
+              <a:ext uri="{FF2B5EF4-FFF2-40B4-BE49-F238E27FC236}">
+                <a16:creationId xmlns:a16="http://schemas.microsoft.com/office/drawing/2014/main" id="{1A9C9A37-2898-484D-B140-BC001B6F8C65}"/>
+              </a:ext>
+            </a:extLst>
+          </p:cNvPr>
+          <p:cNvPicPr>
+            <a:picLocks noChangeAspect="1"/>
+          </p:cNvPicPr>
+          <p:nvPr/>
+        </p:nvPicPr>
+        <p:blipFill>
+          <a:blip r:embed="rId2"/>
+          <a:stretch>
+            <a:fillRect/>
+          </a:stretch>
+        </p:blipFill>
+        <p:spPr>
+          <a:xfrm>
+            <a:off x="0" y="1579282"/>
+            <a:ext cx="9144000" cy="5127925"/>
+          </a:xfrm>
+          <a:prstGeom prst="rect">
+            <a:avLst/>
+          </a:prstGeom>
+        </p:spPr>
+      </p:pic>
+      <p:sp>
+        <p:nvSpPr>
+          <p:cNvPr id="4" name="Rectangle 3">
+            <a:extLst>
+              <a:ext uri="{FF2B5EF4-FFF2-40B4-BE49-F238E27FC236}">
+                <a16:creationId xmlns:a16="http://schemas.microsoft.com/office/drawing/2014/main" id="{28062FD5-E7F0-4A54-89D7-1F3002B5747C}"/>
+              </a:ext>
+            </a:extLst>
+          </p:cNvPr>
+          <p:cNvSpPr/>
+          <p:nvPr/>
+        </p:nvSpPr>
+        <p:spPr>
+          <a:xfrm>
+            <a:off x="0" y="4744995"/>
+            <a:ext cx="9144000" cy="2113004"/>
+          </a:xfrm>
+          <a:prstGeom prst="rect">
+            <a:avLst/>
+          </a:prstGeom>
+          <a:solidFill>
+            <a:schemeClr val="bg1"/>
+          </a:solidFill>
+          <a:ln>
+            <a:noFill/>
+          </a:ln>
+        </p:spPr>
+        <p:style>
+          <a:lnRef idx="2">
+            <a:schemeClr val="accent1">
+              <a:shade val="50000"/>
+            </a:schemeClr>
+          </a:lnRef>
+          <a:fillRef idx="1">
+            <a:schemeClr val="accent1"/>
+          </a:fillRef>
+          <a:effectRef idx="0">
+            <a:schemeClr val="accent1"/>
+          </a:effectRef>
+          <a:fontRef idx="minor">
+            <a:schemeClr val="lt1"/>
+          </a:fontRef>
+        </p:style>
+        <p:txBody>
+          <a:bodyPr rtlCol="0" anchor="ctr"/>
+          <a:lstStyle/>
+          <a:p>
+            <a:pPr algn="ctr"/>
+            <a:endParaRPr lang="en-US"/>
+          </a:p>
+        </p:txBody>
+      </p:sp>
+    </p:spTree>
+    <p:extLst>
+      <p:ext uri="{BB962C8B-B14F-4D97-AF65-F5344CB8AC3E}">
+        <p14:creationId xmlns:p14="http://schemas.microsoft.com/office/powerpoint/2010/main" val="2206975224"/>
+      </p:ext>
+    </p:extLst>
+  </p:cSld>
+  <p:clrMapOvr>
+    <a:masterClrMapping/>
+  </p:clrMapOvr>
+</p:sld>
+</file>
+
+<file path=ppt/slides/slide8.xml><?xml version="1.0" encoding="utf-8"?>
+<p:sld xmlns:a="http://schemas.openxmlformats.org/drawingml/2006/main" xmlns:r="http://schemas.openxmlformats.org/officeDocument/2006/relationships" xmlns:p="http://schemas.openxmlformats.org/presentationml/2006/main">
+  <p:cSld>
+    <p:spTree>
+      <p:nvGrpSpPr>
+        <p:cNvPr id="1" name=""/>
+        <p:cNvGrpSpPr/>
+        <p:nvPr/>
+      </p:nvGrpSpPr>
+      <p:grpSpPr>
+        <a:xfrm>
+          <a:off x="0" y="0"/>
+          <a:ext cx="0" cy="0"/>
+          <a:chOff x="0" y="0"/>
+          <a:chExt cx="0" cy="0"/>
+        </a:xfrm>
+      </p:grpSpPr>
+      <p:sp>
+        <p:nvSpPr>
+          <p:cNvPr id="2" name="Title 1"/>
+          <p:cNvSpPr>
+            <a:spLocks noGrp="1"/>
+          </p:cNvSpPr>
+          <p:nvPr>
+            <p:ph type="title"/>
+          </p:nvPr>
+        </p:nvSpPr>
+        <p:spPr/>
+        <p:txBody>
+          <a:bodyPr/>
+          <a:lstStyle/>
+          <a:p>
+            <a:r>
+              <a:rPr lang="en-US" dirty="0"/>
+              <a:t>Sequence Diagram</a:t>
+            </a:r>
+          </a:p>
+        </p:txBody>
+      </p:sp>
+      <p:pic>
+        <p:nvPicPr>
+          <p:cNvPr id="6" name="Picture 5">
+            <a:extLst>
+              <a:ext uri="{FF2B5EF4-FFF2-40B4-BE49-F238E27FC236}">
+                <a16:creationId xmlns:a16="http://schemas.microsoft.com/office/drawing/2014/main" id="{1A9C9A37-2898-484D-B140-BC001B6F8C65}"/>
+              </a:ext>
+            </a:extLst>
+          </p:cNvPr>
+          <p:cNvPicPr>
+            <a:picLocks noChangeAspect="1"/>
+          </p:cNvPicPr>
+          <p:nvPr/>
+        </p:nvPicPr>
+        <p:blipFill>
+          <a:blip r:embed="rId2"/>
+          <a:stretch>
+            <a:fillRect/>
+          </a:stretch>
+        </p:blipFill>
+        <p:spPr>
+          <a:xfrm>
+            <a:off x="0" y="1579282"/>
+            <a:ext cx="9144000" cy="5127925"/>
+          </a:xfrm>
+          <a:prstGeom prst="rect">
+            <a:avLst/>
+          </a:prstGeom>
+        </p:spPr>
+      </p:pic>
+      <p:sp>
+        <p:nvSpPr>
+          <p:cNvPr id="4" name="Rectangle 3">
+            <a:extLst>
+              <a:ext uri="{FF2B5EF4-FFF2-40B4-BE49-F238E27FC236}">
+                <a16:creationId xmlns:a16="http://schemas.microsoft.com/office/drawing/2014/main" id="{28062FD5-E7F0-4A54-89D7-1F3002B5747C}"/>
+              </a:ext>
+            </a:extLst>
+          </p:cNvPr>
+          <p:cNvSpPr/>
+          <p:nvPr/>
+        </p:nvSpPr>
+        <p:spPr>
+          <a:xfrm>
+            <a:off x="0" y="4992129"/>
+            <a:ext cx="9144000" cy="1865869"/>
+          </a:xfrm>
+          <a:prstGeom prst="rect">
+            <a:avLst/>
+          </a:prstGeom>
+          <a:solidFill>
+            <a:schemeClr val="bg1"/>
+          </a:solidFill>
+          <a:ln>
+            <a:noFill/>
+          </a:ln>
+        </p:spPr>
+        <p:style>
+          <a:lnRef idx="2">
+            <a:schemeClr val="accent1">
+              <a:shade val="50000"/>
+            </a:schemeClr>
+          </a:lnRef>
+          <a:fillRef idx="1">
+            <a:schemeClr val="accent1"/>
+          </a:fillRef>
+          <a:effectRef idx="0">
+            <a:schemeClr val="accent1"/>
+          </a:effectRef>
+          <a:fontRef idx="minor">
+            <a:schemeClr val="lt1"/>
+          </a:fontRef>
+        </p:style>
+        <p:txBody>
+          <a:bodyPr rtlCol="0" anchor="ctr"/>
+          <a:lstStyle/>
+          <a:p>
+            <a:pPr algn="ctr"/>
+            <a:endParaRPr lang="en-US"/>
+          </a:p>
+        </p:txBody>
+      </p:sp>
+    </p:spTree>
+    <p:extLst>
+      <p:ext uri="{BB962C8B-B14F-4D97-AF65-F5344CB8AC3E}">
+        <p14:creationId xmlns:p14="http://schemas.microsoft.com/office/powerpoint/2010/main" val="4156294312"/>
+      </p:ext>
+    </p:extLst>
+  </p:cSld>
+  <p:clrMapOvr>
+    <a:masterClrMapping/>
+  </p:clrMapOvr>
+</p:sld>
+</file>
+
+<file path=ppt/slides/slide9.xml><?xml version="1.0" encoding="utf-8"?>
+<p:sld xmlns:a="http://schemas.openxmlformats.org/drawingml/2006/main" xmlns:r="http://schemas.openxmlformats.org/officeDocument/2006/relationships" xmlns:p="http://schemas.openxmlformats.org/presentationml/2006/main">
+  <p:cSld>
+    <p:spTree>
+      <p:nvGrpSpPr>
+        <p:cNvPr id="1" name=""/>
+        <p:cNvGrpSpPr/>
+        <p:nvPr/>
+      </p:nvGrpSpPr>
+      <p:grpSpPr>
+        <a:xfrm>
+          <a:off x="0" y="0"/>
+          <a:ext cx="0" cy="0"/>
+          <a:chOff x="0" y="0"/>
+          <a:chExt cx="0" cy="0"/>
+        </a:xfrm>
+      </p:grpSpPr>
+      <p:sp>
+        <p:nvSpPr>
+          <p:cNvPr id="2" name="Title 1"/>
+          <p:cNvSpPr>
+            <a:spLocks noGrp="1"/>
+          </p:cNvSpPr>
+          <p:nvPr>
+            <p:ph type="title"/>
+          </p:nvPr>
+        </p:nvSpPr>
+        <p:spPr/>
+        <p:txBody>
+          <a:bodyPr/>
+          <a:lstStyle/>
+          <a:p>
+            <a:r>
+              <a:rPr lang="en-US" dirty="0"/>
+              <a:t>Sequence Diagram</a:t>
+            </a:r>
+          </a:p>
+        </p:txBody>
+      </p:sp>
+      <p:pic>
+        <p:nvPicPr>
+          <p:cNvPr id="6" name="Picture 5">
+            <a:extLst>
+              <a:ext uri="{FF2B5EF4-FFF2-40B4-BE49-F238E27FC236}">
+                <a16:creationId xmlns:a16="http://schemas.microsoft.com/office/drawing/2014/main" id="{1A9C9A37-2898-484D-B140-BC001B6F8C65}"/>
+              </a:ext>
+            </a:extLst>
+          </p:cNvPr>
+          <p:cNvPicPr>
+            <a:picLocks noChangeAspect="1"/>
+          </p:cNvPicPr>
+          <p:nvPr/>
+        </p:nvPicPr>
+        <p:blipFill>
+          <a:blip r:embed="rId2"/>
+          <a:stretch>
+            <a:fillRect/>
+          </a:stretch>
+        </p:blipFill>
+        <p:spPr>
+          <a:xfrm>
+            <a:off x="0" y="1579282"/>
+            <a:ext cx="9144000" cy="5127925"/>
+          </a:xfrm>
+          <a:prstGeom prst="rect">
+            <a:avLst/>
+          </a:prstGeom>
+        </p:spPr>
+      </p:pic>
+      <p:sp>
+        <p:nvSpPr>
+          <p:cNvPr id="4" name="Rectangle 3">
+            <a:extLst>
+              <a:ext uri="{FF2B5EF4-FFF2-40B4-BE49-F238E27FC236}">
+                <a16:creationId xmlns:a16="http://schemas.microsoft.com/office/drawing/2014/main" id="{28062FD5-E7F0-4A54-89D7-1F3002B5747C}"/>
+              </a:ext>
+            </a:extLst>
+          </p:cNvPr>
+          <p:cNvSpPr/>
+          <p:nvPr/>
+        </p:nvSpPr>
+        <p:spPr>
+          <a:xfrm>
+            <a:off x="0" y="5152768"/>
+            <a:ext cx="9144000" cy="1705232"/>
+          </a:xfrm>
+          <a:prstGeom prst="rect">
+            <a:avLst/>
+          </a:prstGeom>
+          <a:solidFill>
+            <a:schemeClr val="bg1"/>
+          </a:solidFill>
+          <a:ln>
+            <a:noFill/>
+          </a:ln>
+        </p:spPr>
+        <p:style>
+          <a:lnRef idx="2">
+            <a:schemeClr val="accent1">
+              <a:shade val="50000"/>
+            </a:schemeClr>
+          </a:lnRef>
+          <a:fillRef idx="1">
+            <a:schemeClr val="accent1"/>
+          </a:fillRef>
+          <a:effectRef idx="0">
+            <a:schemeClr val="accent1"/>
+          </a:effectRef>
+          <a:fontRef idx="minor">
+            <a:schemeClr val="lt1"/>
+          </a:fontRef>
+        </p:style>
+        <p:txBody>
+          <a:bodyPr rtlCol="0" anchor="ctr"/>
+          <a:lstStyle/>
+          <a:p>
+            <a:pPr algn="ctr"/>
+            <a:endParaRPr lang="en-US"/>
+          </a:p>
+        </p:txBody>
+      </p:sp>
+    </p:spTree>
+    <p:extLst>
+      <p:ext uri="{BB962C8B-B14F-4D97-AF65-F5344CB8AC3E}">
+        <p14:creationId xmlns:p14="http://schemas.microsoft.com/office/powerpoint/2010/main" val="3321013237"/>
+      </p:ext>
+    </p:extLst>
+  </p:cSld>
+  <p:clrMapOvr>
+    <a:masterClrMapping/>
+  </p:clrMapOvr>
 </p:sld>
 </file>
 

--- a/docs/slides/Petra-Demo.pptx
+++ b/docs/slides/Petra-Demo.pptx
@@ -5,20 +5,21 @@
     <p:sldMasterId id="2147483660" r:id="rId1"/>
   </p:sldMasterIdLst>
   <p:sldIdLst>
-    <p:sldId id="257" r:id="rId2"/>
-    <p:sldId id="266" r:id="rId3"/>
-    <p:sldId id="267" r:id="rId4"/>
-    <p:sldId id="268" r:id="rId5"/>
-    <p:sldId id="269" r:id="rId6"/>
-    <p:sldId id="270" r:id="rId7"/>
-    <p:sldId id="271" r:id="rId8"/>
-    <p:sldId id="272" r:id="rId9"/>
-    <p:sldId id="273" r:id="rId10"/>
-    <p:sldId id="274" r:id="rId11"/>
-    <p:sldId id="275" r:id="rId12"/>
-    <p:sldId id="276" r:id="rId13"/>
-    <p:sldId id="277" r:id="rId14"/>
-    <p:sldId id="260" r:id="rId15"/>
+    <p:sldId id="278" r:id="rId2"/>
+    <p:sldId id="257" r:id="rId3"/>
+    <p:sldId id="266" r:id="rId4"/>
+    <p:sldId id="267" r:id="rId5"/>
+    <p:sldId id="268" r:id="rId6"/>
+    <p:sldId id="269" r:id="rId7"/>
+    <p:sldId id="270" r:id="rId8"/>
+    <p:sldId id="271" r:id="rId9"/>
+    <p:sldId id="272" r:id="rId10"/>
+    <p:sldId id="273" r:id="rId11"/>
+    <p:sldId id="274" r:id="rId12"/>
+    <p:sldId id="275" r:id="rId13"/>
+    <p:sldId id="276" r:id="rId14"/>
+    <p:sldId id="277" r:id="rId15"/>
+    <p:sldId id="260" r:id="rId16"/>
   </p:sldIdLst>
   <p:sldSz cx="9144000" cy="6858000" type="screen4x3"/>
   <p:notesSz cx="6858000" cy="9144000"/>
@@ -260,7 +261,7 @@
           <a:p>
             <a:fld id="{4741D380-ACD2-4BDA-90F0-CFE1C8D894B5}" type="datetimeFigureOut">
               <a:rPr lang="en-US" smtClean="0"/>
-              <a:t>2/6/2018</a:t>
+              <a:t>2/11/2018</a:t>
             </a:fld>
             <a:endParaRPr lang="en-US"/>
           </a:p>
@@ -430,7 +431,7 @@
           <a:p>
             <a:fld id="{4741D380-ACD2-4BDA-90F0-CFE1C8D894B5}" type="datetimeFigureOut">
               <a:rPr lang="en-US" smtClean="0"/>
-              <a:t>2/6/2018</a:t>
+              <a:t>2/11/2018</a:t>
             </a:fld>
             <a:endParaRPr lang="en-US"/>
           </a:p>
@@ -610,7 +611,7 @@
           <a:p>
             <a:fld id="{4741D380-ACD2-4BDA-90F0-CFE1C8D894B5}" type="datetimeFigureOut">
               <a:rPr lang="en-US" smtClean="0"/>
-              <a:t>2/6/2018</a:t>
+              <a:t>2/11/2018</a:t>
             </a:fld>
             <a:endParaRPr lang="en-US"/>
           </a:p>
@@ -780,7 +781,7 @@
           <a:p>
             <a:fld id="{4741D380-ACD2-4BDA-90F0-CFE1C8D894B5}" type="datetimeFigureOut">
               <a:rPr lang="en-US" smtClean="0"/>
-              <a:t>2/6/2018</a:t>
+              <a:t>2/11/2018</a:t>
             </a:fld>
             <a:endParaRPr lang="en-US"/>
           </a:p>
@@ -1024,7 +1025,7 @@
           <a:p>
             <a:fld id="{4741D380-ACD2-4BDA-90F0-CFE1C8D894B5}" type="datetimeFigureOut">
               <a:rPr lang="en-US" smtClean="0"/>
-              <a:t>2/6/2018</a:t>
+              <a:t>2/11/2018</a:t>
             </a:fld>
             <a:endParaRPr lang="en-US"/>
           </a:p>
@@ -1256,7 +1257,7 @@
           <a:p>
             <a:fld id="{4741D380-ACD2-4BDA-90F0-CFE1C8D894B5}" type="datetimeFigureOut">
               <a:rPr lang="en-US" smtClean="0"/>
-              <a:t>2/6/2018</a:t>
+              <a:t>2/11/2018</a:t>
             </a:fld>
             <a:endParaRPr lang="en-US"/>
           </a:p>
@@ -1623,7 +1624,7 @@
           <a:p>
             <a:fld id="{4741D380-ACD2-4BDA-90F0-CFE1C8D894B5}" type="datetimeFigureOut">
               <a:rPr lang="en-US" smtClean="0"/>
-              <a:t>2/6/2018</a:t>
+              <a:t>2/11/2018</a:t>
             </a:fld>
             <a:endParaRPr lang="en-US"/>
           </a:p>
@@ -1741,7 +1742,7 @@
           <a:p>
             <a:fld id="{4741D380-ACD2-4BDA-90F0-CFE1C8D894B5}" type="datetimeFigureOut">
               <a:rPr lang="en-US" smtClean="0"/>
-              <a:t>2/6/2018</a:t>
+              <a:t>2/11/2018</a:t>
             </a:fld>
             <a:endParaRPr lang="en-US"/>
           </a:p>
@@ -1836,7 +1837,7 @@
           <a:p>
             <a:fld id="{4741D380-ACD2-4BDA-90F0-CFE1C8D894B5}" type="datetimeFigureOut">
               <a:rPr lang="en-US" smtClean="0"/>
-              <a:t>2/6/2018</a:t>
+              <a:t>2/11/2018</a:t>
             </a:fld>
             <a:endParaRPr lang="en-US"/>
           </a:p>
@@ -2113,7 +2114,7 @@
           <a:p>
             <a:fld id="{4741D380-ACD2-4BDA-90F0-CFE1C8D894B5}" type="datetimeFigureOut">
               <a:rPr lang="en-US" smtClean="0"/>
-              <a:t>2/6/2018</a:t>
+              <a:t>2/11/2018</a:t>
             </a:fld>
             <a:endParaRPr lang="en-US"/>
           </a:p>
@@ -2370,7 +2371,7 @@
           <a:p>
             <a:fld id="{4741D380-ACD2-4BDA-90F0-CFE1C8D894B5}" type="datetimeFigureOut">
               <a:rPr lang="en-US" smtClean="0"/>
-              <a:t>2/6/2018</a:t>
+              <a:t>2/11/2018</a:t>
             </a:fld>
             <a:endParaRPr lang="en-US"/>
           </a:p>
@@ -2583,7 +2584,7 @@
           <a:p>
             <a:fld id="{4741D380-ACD2-4BDA-90F0-CFE1C8D894B5}" type="datetimeFigureOut">
               <a:rPr lang="en-US" smtClean="0"/>
-              <a:t>2/6/2018</a:t>
+              <a:t>2/11/2018</a:t>
             </a:fld>
             <a:endParaRPr lang="en-US"/>
           </a:p>
@@ -2972,6 +2973,1017 @@
 </file>
 
 <file path=ppt/slides/slide1.xml><?xml version="1.0" encoding="utf-8"?>
+<p:sld xmlns:a="http://schemas.openxmlformats.org/drawingml/2006/main" xmlns:r="http://schemas.openxmlformats.org/officeDocument/2006/relationships" xmlns:p="http://schemas.openxmlformats.org/presentationml/2006/main">
+  <p:cSld>
+    <p:spTree>
+      <p:nvGrpSpPr>
+        <p:cNvPr id="1" name=""/>
+        <p:cNvGrpSpPr/>
+        <p:nvPr/>
+      </p:nvGrpSpPr>
+      <p:grpSpPr>
+        <a:xfrm>
+          <a:off x="0" y="0"/>
+          <a:ext cx="0" cy="0"/>
+          <a:chOff x="0" y="0"/>
+          <a:chExt cx="0" cy="0"/>
+        </a:xfrm>
+      </p:grpSpPr>
+      <p:sp>
+        <p:nvSpPr>
+          <p:cNvPr id="6" name="Title 5"/>
+          <p:cNvSpPr>
+            <a:spLocks noGrp="1"/>
+          </p:cNvSpPr>
+          <p:nvPr>
+            <p:ph type="ctrTitle"/>
+          </p:nvPr>
+        </p:nvSpPr>
+        <p:spPr/>
+        <p:txBody>
+          <a:bodyPr>
+            <a:normAutofit fontScale="90000"/>
+          </a:bodyPr>
+          <a:lstStyle/>
+          <a:p>
+            <a:r>
+              <a:rPr lang="en-US" dirty="0" smtClean="0"/>
+              <a:t>Privacy Preserving Energy Transactions Using Blockchains</a:t>
+            </a:r>
+            <a:endParaRPr lang="en-US" dirty="0"/>
+          </a:p>
+        </p:txBody>
+      </p:sp>
+      <p:sp>
+        <p:nvSpPr>
+          <p:cNvPr id="7" name="Subtitle 6"/>
+          <p:cNvSpPr>
+            <a:spLocks noGrp="1"/>
+          </p:cNvSpPr>
+          <p:nvPr>
+            <p:ph type="subTitle" idx="1"/>
+          </p:nvPr>
+        </p:nvSpPr>
+        <p:spPr/>
+        <p:txBody>
+          <a:bodyPr/>
+          <a:lstStyle/>
+          <a:p>
+            <a:r>
+              <a:rPr lang="en-US" dirty="0" smtClean="0"/>
+              <a:t>Abhishek Dubey, Vanderbilt University</a:t>
+            </a:r>
+          </a:p>
+          <a:p>
+            <a:r>
+              <a:rPr lang="en-US" dirty="0" smtClean="0"/>
+              <a:t>Scott Eisele Vanderbilt University</a:t>
+            </a:r>
+          </a:p>
+          <a:p>
+            <a:r>
+              <a:rPr lang="en-US" dirty="0" smtClean="0"/>
+              <a:t>Aron Laszka, University </a:t>
+            </a:r>
+            <a:r>
+              <a:rPr lang="en-US" smtClean="0"/>
+              <a:t>of Houston</a:t>
+            </a:r>
+            <a:endParaRPr lang="en-US"/>
+          </a:p>
+        </p:txBody>
+      </p:sp>
+    </p:spTree>
+    <p:extLst>
+      <p:ext uri="{BB962C8B-B14F-4D97-AF65-F5344CB8AC3E}">
+        <p14:creationId xmlns:p14="http://schemas.microsoft.com/office/powerpoint/2010/main" val="3495568665"/>
+      </p:ext>
+    </p:extLst>
+  </p:cSld>
+  <p:clrMapOvr>
+    <a:masterClrMapping/>
+  </p:clrMapOvr>
+</p:sld>
+</file>
+
+<file path=ppt/slides/slide10.xml><?xml version="1.0" encoding="utf-8"?>
+<p:sld xmlns:a="http://schemas.openxmlformats.org/drawingml/2006/main" xmlns:r="http://schemas.openxmlformats.org/officeDocument/2006/relationships" xmlns:p="http://schemas.openxmlformats.org/presentationml/2006/main">
+  <p:cSld>
+    <p:spTree>
+      <p:nvGrpSpPr>
+        <p:cNvPr id="1" name=""/>
+        <p:cNvGrpSpPr/>
+        <p:nvPr/>
+      </p:nvGrpSpPr>
+      <p:grpSpPr>
+        <a:xfrm>
+          <a:off x="0" y="0"/>
+          <a:ext cx="0" cy="0"/>
+          <a:chOff x="0" y="0"/>
+          <a:chExt cx="0" cy="0"/>
+        </a:xfrm>
+      </p:grpSpPr>
+      <p:sp>
+        <p:nvSpPr>
+          <p:cNvPr id="2" name="Title 1"/>
+          <p:cNvSpPr>
+            <a:spLocks noGrp="1"/>
+          </p:cNvSpPr>
+          <p:nvPr>
+            <p:ph type="title"/>
+          </p:nvPr>
+        </p:nvSpPr>
+        <p:spPr/>
+        <p:txBody>
+          <a:bodyPr/>
+          <a:lstStyle/>
+          <a:p>
+            <a:r>
+              <a:rPr lang="en-US" dirty="0"/>
+              <a:t>Sequence Diagram</a:t>
+            </a:r>
+          </a:p>
+        </p:txBody>
+      </p:sp>
+      <p:pic>
+        <p:nvPicPr>
+          <p:cNvPr id="6" name="Picture 5">
+            <a:extLst>
+              <a:ext uri="{FF2B5EF4-FFF2-40B4-BE49-F238E27FC236}">
+                <a16:creationId xmlns:a16="http://schemas.microsoft.com/office/drawing/2014/main" id="{1A9C9A37-2898-484D-B140-BC001B6F8C65}"/>
+              </a:ext>
+            </a:extLst>
+          </p:cNvPr>
+          <p:cNvPicPr>
+            <a:picLocks noChangeAspect="1"/>
+          </p:cNvPicPr>
+          <p:nvPr/>
+        </p:nvPicPr>
+        <p:blipFill>
+          <a:blip r:embed="rId2"/>
+          <a:stretch>
+            <a:fillRect/>
+          </a:stretch>
+        </p:blipFill>
+        <p:spPr>
+          <a:xfrm>
+            <a:off x="0" y="1579282"/>
+            <a:ext cx="9144000" cy="5127925"/>
+          </a:xfrm>
+          <a:prstGeom prst="rect">
+            <a:avLst/>
+          </a:prstGeom>
+        </p:spPr>
+      </p:pic>
+      <p:sp>
+        <p:nvSpPr>
+          <p:cNvPr id="4" name="Rectangle 3">
+            <a:extLst>
+              <a:ext uri="{FF2B5EF4-FFF2-40B4-BE49-F238E27FC236}">
+                <a16:creationId xmlns:a16="http://schemas.microsoft.com/office/drawing/2014/main" id="{28062FD5-E7F0-4A54-89D7-1F3002B5747C}"/>
+              </a:ext>
+            </a:extLst>
+          </p:cNvPr>
+          <p:cNvSpPr/>
+          <p:nvPr/>
+        </p:nvSpPr>
+        <p:spPr>
+          <a:xfrm>
+            <a:off x="0" y="5152768"/>
+            <a:ext cx="9144000" cy="1705232"/>
+          </a:xfrm>
+          <a:prstGeom prst="rect">
+            <a:avLst/>
+          </a:prstGeom>
+          <a:solidFill>
+            <a:schemeClr val="bg1"/>
+          </a:solidFill>
+          <a:ln>
+            <a:noFill/>
+          </a:ln>
+        </p:spPr>
+        <p:style>
+          <a:lnRef idx="2">
+            <a:schemeClr val="accent1">
+              <a:shade val="50000"/>
+            </a:schemeClr>
+          </a:lnRef>
+          <a:fillRef idx="1">
+            <a:schemeClr val="accent1"/>
+          </a:fillRef>
+          <a:effectRef idx="0">
+            <a:schemeClr val="accent1"/>
+          </a:effectRef>
+          <a:fontRef idx="minor">
+            <a:schemeClr val="lt1"/>
+          </a:fontRef>
+        </p:style>
+        <p:txBody>
+          <a:bodyPr rtlCol="0" anchor="ctr"/>
+          <a:lstStyle/>
+          <a:p>
+            <a:pPr algn="ctr"/>
+            <a:endParaRPr lang="en-US"/>
+          </a:p>
+        </p:txBody>
+      </p:sp>
+    </p:spTree>
+    <p:extLst>
+      <p:ext uri="{BB962C8B-B14F-4D97-AF65-F5344CB8AC3E}">
+        <p14:creationId xmlns:p14="http://schemas.microsoft.com/office/powerpoint/2010/main" val="3321013237"/>
+      </p:ext>
+    </p:extLst>
+  </p:cSld>
+  <p:clrMapOvr>
+    <a:masterClrMapping/>
+  </p:clrMapOvr>
+</p:sld>
+</file>
+
+<file path=ppt/slides/slide11.xml><?xml version="1.0" encoding="utf-8"?>
+<p:sld xmlns:a="http://schemas.openxmlformats.org/drawingml/2006/main" xmlns:r="http://schemas.openxmlformats.org/officeDocument/2006/relationships" xmlns:p="http://schemas.openxmlformats.org/presentationml/2006/main">
+  <p:cSld>
+    <p:spTree>
+      <p:nvGrpSpPr>
+        <p:cNvPr id="1" name=""/>
+        <p:cNvGrpSpPr/>
+        <p:nvPr/>
+      </p:nvGrpSpPr>
+      <p:grpSpPr>
+        <a:xfrm>
+          <a:off x="0" y="0"/>
+          <a:ext cx="0" cy="0"/>
+          <a:chOff x="0" y="0"/>
+          <a:chExt cx="0" cy="0"/>
+        </a:xfrm>
+      </p:grpSpPr>
+      <p:sp>
+        <p:nvSpPr>
+          <p:cNvPr id="2" name="Title 1"/>
+          <p:cNvSpPr>
+            <a:spLocks noGrp="1"/>
+          </p:cNvSpPr>
+          <p:nvPr>
+            <p:ph type="title"/>
+          </p:nvPr>
+        </p:nvSpPr>
+        <p:spPr/>
+        <p:txBody>
+          <a:bodyPr/>
+          <a:lstStyle/>
+          <a:p>
+            <a:r>
+              <a:rPr lang="en-US" dirty="0"/>
+              <a:t>Sequence Diagram</a:t>
+            </a:r>
+          </a:p>
+        </p:txBody>
+      </p:sp>
+      <p:pic>
+        <p:nvPicPr>
+          <p:cNvPr id="6" name="Picture 5">
+            <a:extLst>
+              <a:ext uri="{FF2B5EF4-FFF2-40B4-BE49-F238E27FC236}">
+                <a16:creationId xmlns:a16="http://schemas.microsoft.com/office/drawing/2014/main" id="{1A9C9A37-2898-484D-B140-BC001B6F8C65}"/>
+              </a:ext>
+            </a:extLst>
+          </p:cNvPr>
+          <p:cNvPicPr>
+            <a:picLocks noChangeAspect="1"/>
+          </p:cNvPicPr>
+          <p:nvPr/>
+        </p:nvPicPr>
+        <p:blipFill>
+          <a:blip r:embed="rId2"/>
+          <a:stretch>
+            <a:fillRect/>
+          </a:stretch>
+        </p:blipFill>
+        <p:spPr>
+          <a:xfrm>
+            <a:off x="0" y="1579282"/>
+            <a:ext cx="9144000" cy="5127925"/>
+          </a:xfrm>
+          <a:prstGeom prst="rect">
+            <a:avLst/>
+          </a:prstGeom>
+        </p:spPr>
+      </p:pic>
+      <p:sp>
+        <p:nvSpPr>
+          <p:cNvPr id="4" name="Rectangle 3">
+            <a:extLst>
+              <a:ext uri="{FF2B5EF4-FFF2-40B4-BE49-F238E27FC236}">
+                <a16:creationId xmlns:a16="http://schemas.microsoft.com/office/drawing/2014/main" id="{28062FD5-E7F0-4A54-89D7-1F3002B5747C}"/>
+              </a:ext>
+            </a:extLst>
+          </p:cNvPr>
+          <p:cNvSpPr/>
+          <p:nvPr/>
+        </p:nvSpPr>
+        <p:spPr>
+          <a:xfrm>
+            <a:off x="0" y="5532435"/>
+            <a:ext cx="9144000" cy="1325564"/>
+          </a:xfrm>
+          <a:prstGeom prst="rect">
+            <a:avLst/>
+          </a:prstGeom>
+          <a:solidFill>
+            <a:schemeClr val="bg1"/>
+          </a:solidFill>
+          <a:ln>
+            <a:noFill/>
+          </a:ln>
+        </p:spPr>
+        <p:style>
+          <a:lnRef idx="2">
+            <a:schemeClr val="accent1">
+              <a:shade val="50000"/>
+            </a:schemeClr>
+          </a:lnRef>
+          <a:fillRef idx="1">
+            <a:schemeClr val="accent1"/>
+          </a:fillRef>
+          <a:effectRef idx="0">
+            <a:schemeClr val="accent1"/>
+          </a:effectRef>
+          <a:fontRef idx="minor">
+            <a:schemeClr val="lt1"/>
+          </a:fontRef>
+        </p:style>
+        <p:txBody>
+          <a:bodyPr rtlCol="0" anchor="ctr"/>
+          <a:lstStyle/>
+          <a:p>
+            <a:pPr algn="ctr"/>
+            <a:endParaRPr lang="en-US"/>
+          </a:p>
+        </p:txBody>
+      </p:sp>
+    </p:spTree>
+    <p:extLst>
+      <p:ext uri="{BB962C8B-B14F-4D97-AF65-F5344CB8AC3E}">
+        <p14:creationId xmlns:p14="http://schemas.microsoft.com/office/powerpoint/2010/main" val="2672154149"/>
+      </p:ext>
+    </p:extLst>
+  </p:cSld>
+  <p:clrMapOvr>
+    <a:masterClrMapping/>
+  </p:clrMapOvr>
+</p:sld>
+</file>
+
+<file path=ppt/slides/slide12.xml><?xml version="1.0" encoding="utf-8"?>
+<p:sld xmlns:a="http://schemas.openxmlformats.org/drawingml/2006/main" xmlns:r="http://schemas.openxmlformats.org/officeDocument/2006/relationships" xmlns:p="http://schemas.openxmlformats.org/presentationml/2006/main">
+  <p:cSld>
+    <p:spTree>
+      <p:nvGrpSpPr>
+        <p:cNvPr id="1" name=""/>
+        <p:cNvGrpSpPr/>
+        <p:nvPr/>
+      </p:nvGrpSpPr>
+      <p:grpSpPr>
+        <a:xfrm>
+          <a:off x="0" y="0"/>
+          <a:ext cx="0" cy="0"/>
+          <a:chOff x="0" y="0"/>
+          <a:chExt cx="0" cy="0"/>
+        </a:xfrm>
+      </p:grpSpPr>
+      <p:sp>
+        <p:nvSpPr>
+          <p:cNvPr id="2" name="Title 1"/>
+          <p:cNvSpPr>
+            <a:spLocks noGrp="1"/>
+          </p:cNvSpPr>
+          <p:nvPr>
+            <p:ph type="title"/>
+          </p:nvPr>
+        </p:nvSpPr>
+        <p:spPr/>
+        <p:txBody>
+          <a:bodyPr/>
+          <a:lstStyle/>
+          <a:p>
+            <a:r>
+              <a:rPr lang="en-US" dirty="0"/>
+              <a:t>Sequence Diagram</a:t>
+            </a:r>
+          </a:p>
+        </p:txBody>
+      </p:sp>
+      <p:pic>
+        <p:nvPicPr>
+          <p:cNvPr id="6" name="Picture 5">
+            <a:extLst>
+              <a:ext uri="{FF2B5EF4-FFF2-40B4-BE49-F238E27FC236}">
+                <a16:creationId xmlns:a16="http://schemas.microsoft.com/office/drawing/2014/main" id="{1A9C9A37-2898-484D-B140-BC001B6F8C65}"/>
+              </a:ext>
+            </a:extLst>
+          </p:cNvPr>
+          <p:cNvPicPr>
+            <a:picLocks noChangeAspect="1"/>
+          </p:cNvPicPr>
+          <p:nvPr/>
+        </p:nvPicPr>
+        <p:blipFill>
+          <a:blip r:embed="rId2"/>
+          <a:stretch>
+            <a:fillRect/>
+          </a:stretch>
+        </p:blipFill>
+        <p:spPr>
+          <a:xfrm>
+            <a:off x="0" y="1579282"/>
+            <a:ext cx="9144000" cy="5127925"/>
+          </a:xfrm>
+          <a:prstGeom prst="rect">
+            <a:avLst/>
+          </a:prstGeom>
+        </p:spPr>
+      </p:pic>
+      <p:sp>
+        <p:nvSpPr>
+          <p:cNvPr id="4" name="Rectangle 3">
+            <a:extLst>
+              <a:ext uri="{FF2B5EF4-FFF2-40B4-BE49-F238E27FC236}">
+                <a16:creationId xmlns:a16="http://schemas.microsoft.com/office/drawing/2014/main" id="{28062FD5-E7F0-4A54-89D7-1F3002B5747C}"/>
+              </a:ext>
+            </a:extLst>
+          </p:cNvPr>
+          <p:cNvSpPr/>
+          <p:nvPr/>
+        </p:nvSpPr>
+        <p:spPr>
+          <a:xfrm>
+            <a:off x="0" y="6128951"/>
+            <a:ext cx="9144000" cy="729048"/>
+          </a:xfrm>
+          <a:prstGeom prst="rect">
+            <a:avLst/>
+          </a:prstGeom>
+          <a:solidFill>
+            <a:schemeClr val="bg1"/>
+          </a:solidFill>
+          <a:ln>
+            <a:noFill/>
+          </a:ln>
+        </p:spPr>
+        <p:style>
+          <a:lnRef idx="2">
+            <a:schemeClr val="accent1">
+              <a:shade val="50000"/>
+            </a:schemeClr>
+          </a:lnRef>
+          <a:fillRef idx="1">
+            <a:schemeClr val="accent1"/>
+          </a:fillRef>
+          <a:effectRef idx="0">
+            <a:schemeClr val="accent1"/>
+          </a:effectRef>
+          <a:fontRef idx="minor">
+            <a:schemeClr val="lt1"/>
+          </a:fontRef>
+        </p:style>
+        <p:txBody>
+          <a:bodyPr rtlCol="0" anchor="ctr"/>
+          <a:lstStyle/>
+          <a:p>
+            <a:pPr algn="ctr"/>
+            <a:endParaRPr lang="en-US"/>
+          </a:p>
+        </p:txBody>
+      </p:sp>
+    </p:spTree>
+    <p:extLst>
+      <p:ext uri="{BB962C8B-B14F-4D97-AF65-F5344CB8AC3E}">
+        <p14:creationId xmlns:p14="http://schemas.microsoft.com/office/powerpoint/2010/main" val="432087896"/>
+      </p:ext>
+    </p:extLst>
+  </p:cSld>
+  <p:clrMapOvr>
+    <a:masterClrMapping/>
+  </p:clrMapOvr>
+</p:sld>
+</file>
+
+<file path=ppt/slides/slide13.xml><?xml version="1.0" encoding="utf-8"?>
+<p:sld xmlns:a="http://schemas.openxmlformats.org/drawingml/2006/main" xmlns:r="http://schemas.openxmlformats.org/officeDocument/2006/relationships" xmlns:p="http://schemas.openxmlformats.org/presentationml/2006/main">
+  <p:cSld>
+    <p:spTree>
+      <p:nvGrpSpPr>
+        <p:cNvPr id="1" name=""/>
+        <p:cNvGrpSpPr/>
+        <p:nvPr/>
+      </p:nvGrpSpPr>
+      <p:grpSpPr>
+        <a:xfrm>
+          <a:off x="0" y="0"/>
+          <a:ext cx="0" cy="0"/>
+          <a:chOff x="0" y="0"/>
+          <a:chExt cx="0" cy="0"/>
+        </a:xfrm>
+      </p:grpSpPr>
+      <p:sp>
+        <p:nvSpPr>
+          <p:cNvPr id="2" name="Title 1"/>
+          <p:cNvSpPr>
+            <a:spLocks noGrp="1"/>
+          </p:cNvSpPr>
+          <p:nvPr>
+            <p:ph type="title"/>
+          </p:nvPr>
+        </p:nvSpPr>
+        <p:spPr/>
+        <p:txBody>
+          <a:bodyPr/>
+          <a:lstStyle/>
+          <a:p>
+            <a:r>
+              <a:rPr lang="en-US" dirty="0"/>
+              <a:t>Sequence Diagram</a:t>
+            </a:r>
+          </a:p>
+        </p:txBody>
+      </p:sp>
+      <p:pic>
+        <p:nvPicPr>
+          <p:cNvPr id="6" name="Picture 5">
+            <a:extLst>
+              <a:ext uri="{FF2B5EF4-FFF2-40B4-BE49-F238E27FC236}">
+                <a16:creationId xmlns:a16="http://schemas.microsoft.com/office/drawing/2014/main" id="{1A9C9A37-2898-484D-B140-BC001B6F8C65}"/>
+              </a:ext>
+            </a:extLst>
+          </p:cNvPr>
+          <p:cNvPicPr>
+            <a:picLocks noChangeAspect="1"/>
+          </p:cNvPicPr>
+          <p:nvPr/>
+        </p:nvPicPr>
+        <p:blipFill>
+          <a:blip r:embed="rId2"/>
+          <a:stretch>
+            <a:fillRect/>
+          </a:stretch>
+        </p:blipFill>
+        <p:spPr>
+          <a:xfrm>
+            <a:off x="0" y="1579282"/>
+            <a:ext cx="9144000" cy="5127925"/>
+          </a:xfrm>
+          <a:prstGeom prst="rect">
+            <a:avLst/>
+          </a:prstGeom>
+        </p:spPr>
+      </p:pic>
+      <p:sp>
+        <p:nvSpPr>
+          <p:cNvPr id="4" name="Rectangle 3">
+            <a:extLst>
+              <a:ext uri="{FF2B5EF4-FFF2-40B4-BE49-F238E27FC236}">
+                <a16:creationId xmlns:a16="http://schemas.microsoft.com/office/drawing/2014/main" id="{28062FD5-E7F0-4A54-89D7-1F3002B5747C}"/>
+              </a:ext>
+            </a:extLst>
+          </p:cNvPr>
+          <p:cNvSpPr/>
+          <p:nvPr/>
+        </p:nvSpPr>
+        <p:spPr>
+          <a:xfrm>
+            <a:off x="0" y="6345195"/>
+            <a:ext cx="9144000" cy="512804"/>
+          </a:xfrm>
+          <a:prstGeom prst="rect">
+            <a:avLst/>
+          </a:prstGeom>
+          <a:solidFill>
+            <a:schemeClr val="bg1"/>
+          </a:solidFill>
+          <a:ln>
+            <a:noFill/>
+          </a:ln>
+        </p:spPr>
+        <p:style>
+          <a:lnRef idx="2">
+            <a:schemeClr val="accent1">
+              <a:shade val="50000"/>
+            </a:schemeClr>
+          </a:lnRef>
+          <a:fillRef idx="1">
+            <a:schemeClr val="accent1"/>
+          </a:fillRef>
+          <a:effectRef idx="0">
+            <a:schemeClr val="accent1"/>
+          </a:effectRef>
+          <a:fontRef idx="minor">
+            <a:schemeClr val="lt1"/>
+          </a:fontRef>
+        </p:style>
+        <p:txBody>
+          <a:bodyPr rtlCol="0" anchor="ctr"/>
+          <a:lstStyle/>
+          <a:p>
+            <a:pPr algn="ctr"/>
+            <a:endParaRPr lang="en-US"/>
+          </a:p>
+        </p:txBody>
+      </p:sp>
+    </p:spTree>
+    <p:extLst>
+      <p:ext uri="{BB962C8B-B14F-4D97-AF65-F5344CB8AC3E}">
+        <p14:creationId xmlns:p14="http://schemas.microsoft.com/office/powerpoint/2010/main" val="1415617058"/>
+      </p:ext>
+    </p:extLst>
+  </p:cSld>
+  <p:clrMapOvr>
+    <a:masterClrMapping/>
+  </p:clrMapOvr>
+</p:sld>
+</file>
+
+<file path=ppt/slides/slide14.xml><?xml version="1.0" encoding="utf-8"?>
+<p:sld xmlns:a="http://schemas.openxmlformats.org/drawingml/2006/main" xmlns:r="http://schemas.openxmlformats.org/officeDocument/2006/relationships" xmlns:p="http://schemas.openxmlformats.org/presentationml/2006/main">
+  <p:cSld>
+    <p:spTree>
+      <p:nvGrpSpPr>
+        <p:cNvPr id="1" name=""/>
+        <p:cNvGrpSpPr/>
+        <p:nvPr/>
+      </p:nvGrpSpPr>
+      <p:grpSpPr>
+        <a:xfrm>
+          <a:off x="0" y="0"/>
+          <a:ext cx="0" cy="0"/>
+          <a:chOff x="0" y="0"/>
+          <a:chExt cx="0" cy="0"/>
+        </a:xfrm>
+      </p:grpSpPr>
+      <p:sp>
+        <p:nvSpPr>
+          <p:cNvPr id="2" name="Title 1"/>
+          <p:cNvSpPr>
+            <a:spLocks noGrp="1"/>
+          </p:cNvSpPr>
+          <p:nvPr>
+            <p:ph type="title"/>
+          </p:nvPr>
+        </p:nvSpPr>
+        <p:spPr/>
+        <p:txBody>
+          <a:bodyPr/>
+          <a:lstStyle/>
+          <a:p>
+            <a:r>
+              <a:rPr lang="en-US" dirty="0"/>
+              <a:t>Sequence Diagram</a:t>
+            </a:r>
+          </a:p>
+        </p:txBody>
+      </p:sp>
+      <p:pic>
+        <p:nvPicPr>
+          <p:cNvPr id="6" name="Picture 5">
+            <a:extLst>
+              <a:ext uri="{FF2B5EF4-FFF2-40B4-BE49-F238E27FC236}">
+                <a16:creationId xmlns:a16="http://schemas.microsoft.com/office/drawing/2014/main" id="{1A9C9A37-2898-484D-B140-BC001B6F8C65}"/>
+              </a:ext>
+            </a:extLst>
+          </p:cNvPr>
+          <p:cNvPicPr>
+            <a:picLocks noChangeAspect="1"/>
+          </p:cNvPicPr>
+          <p:nvPr/>
+        </p:nvPicPr>
+        <p:blipFill>
+          <a:blip r:embed="rId2"/>
+          <a:stretch>
+            <a:fillRect/>
+          </a:stretch>
+        </p:blipFill>
+        <p:spPr>
+          <a:xfrm>
+            <a:off x="0" y="1579282"/>
+            <a:ext cx="9144000" cy="5127925"/>
+          </a:xfrm>
+          <a:prstGeom prst="rect">
+            <a:avLst/>
+          </a:prstGeom>
+        </p:spPr>
+      </p:pic>
+    </p:spTree>
+    <p:extLst>
+      <p:ext uri="{BB962C8B-B14F-4D97-AF65-F5344CB8AC3E}">
+        <p14:creationId xmlns:p14="http://schemas.microsoft.com/office/powerpoint/2010/main" val="2156574314"/>
+      </p:ext>
+    </p:extLst>
+  </p:cSld>
+  <p:clrMapOvr>
+    <a:masterClrMapping/>
+  </p:clrMapOvr>
+</p:sld>
+</file>
+
+<file path=ppt/slides/slide15.xml><?xml version="1.0" encoding="utf-8"?>
+<p:sld xmlns:a="http://schemas.openxmlformats.org/drawingml/2006/main" xmlns:r="http://schemas.openxmlformats.org/officeDocument/2006/relationships" xmlns:p="http://schemas.openxmlformats.org/presentationml/2006/main">
+  <p:cSld>
+    <p:spTree>
+      <p:nvGrpSpPr>
+        <p:cNvPr id="1" name=""/>
+        <p:cNvGrpSpPr/>
+        <p:nvPr/>
+      </p:nvGrpSpPr>
+      <p:grpSpPr>
+        <a:xfrm>
+          <a:off x="0" y="0"/>
+          <a:ext cx="0" cy="0"/>
+          <a:chOff x="0" y="0"/>
+          <a:chExt cx="0" cy="0"/>
+        </a:xfrm>
+      </p:grpSpPr>
+      <p:sp>
+        <p:nvSpPr>
+          <p:cNvPr id="3" name="Content Placeholder 2"/>
+          <p:cNvSpPr>
+            <a:spLocks noGrp="1"/>
+          </p:cNvSpPr>
+          <p:nvPr>
+            <p:ph idx="1"/>
+          </p:nvPr>
+        </p:nvSpPr>
+        <p:spPr>
+          <a:xfrm>
+            <a:off x="219545" y="1152287"/>
+            <a:ext cx="2222572" cy="4525963"/>
+          </a:xfrm>
+        </p:spPr>
+        <p:txBody>
+          <a:bodyPr>
+            <a:normAutofit/>
+          </a:bodyPr>
+          <a:lstStyle/>
+          <a:p>
+            <a:pPr>
+              <a:spcAft>
+                <a:spcPts val="600"/>
+              </a:spcAft>
+            </a:pPr>
+            <a:r>
+              <a:rPr lang="en-US" sz="1600" dirty="0"/>
+              <a:t>We used real-world energy production / consumption data from a German </a:t>
+            </a:r>
+            <a:r>
+              <a:rPr lang="en-US" sz="1600" dirty="0" err="1"/>
+              <a:t>microgrid</a:t>
+            </a:r>
+            <a:r>
+              <a:rPr lang="en-US" sz="1600" dirty="0"/>
+              <a:t> provided by Siemens, CT</a:t>
+            </a:r>
+          </a:p>
+          <a:p>
+            <a:pPr>
+              <a:spcAft>
+                <a:spcPts val="600"/>
+              </a:spcAft>
+            </a:pPr>
+            <a:r>
+              <a:rPr lang="en-US" sz="1600" dirty="0"/>
+              <a:t>We deployed our system on a </a:t>
+            </a:r>
+            <a:r>
+              <a:rPr lang="en-US" sz="1600" b="1" dirty="0"/>
+              <a:t>private</a:t>
+            </a:r>
+            <a:r>
+              <a:rPr lang="en-US" sz="1600" dirty="0"/>
+              <a:t> Ethereum network </a:t>
+            </a:r>
+            <a:endParaRPr lang="en-US" sz="1600" dirty="0" smtClean="0"/>
+          </a:p>
+          <a:p>
+            <a:pPr>
+              <a:spcAft>
+                <a:spcPts val="600"/>
+              </a:spcAft>
+            </a:pPr>
+            <a:r>
+              <a:rPr lang="en-US" sz="1600" dirty="0" smtClean="0"/>
+              <a:t>5 producers</a:t>
+            </a:r>
+          </a:p>
+          <a:p>
+            <a:pPr>
+              <a:spcAft>
+                <a:spcPts val="600"/>
+              </a:spcAft>
+            </a:pPr>
+            <a:r>
+              <a:rPr lang="en-US" sz="1600" dirty="0" smtClean="0"/>
+              <a:t>~97 consumers</a:t>
+            </a:r>
+            <a:endParaRPr lang="en-US" sz="1600" dirty="0"/>
+          </a:p>
+        </p:txBody>
+      </p:sp>
+      <p:sp>
+        <p:nvSpPr>
+          <p:cNvPr id="2" name="Title 1"/>
+          <p:cNvSpPr>
+            <a:spLocks noGrp="1"/>
+          </p:cNvSpPr>
+          <p:nvPr>
+            <p:ph type="title"/>
+          </p:nvPr>
+        </p:nvSpPr>
+        <p:spPr>
+          <a:xfrm>
+            <a:off x="483685" y="-92074"/>
+            <a:ext cx="7886700" cy="1325563"/>
+          </a:xfrm>
+        </p:spPr>
+        <p:txBody>
+          <a:bodyPr>
+            <a:normAutofit/>
+          </a:bodyPr>
+          <a:lstStyle/>
+          <a:p>
+            <a:r>
+              <a:rPr lang="en-US" sz="3600" dirty="0"/>
+              <a:t>Evaluation</a:t>
+            </a:r>
+          </a:p>
+        </p:txBody>
+      </p:sp>
+      <p:pic>
+        <p:nvPicPr>
+          <p:cNvPr id="9" name="Online Media 8">
+            <a:hlinkClick r:id="" action="ppaction://media"/>
+            <a:extLst>
+              <a:ext uri="{FF2B5EF4-FFF2-40B4-BE49-F238E27FC236}">
+                <a16:creationId xmlns:a16="http://schemas.microsoft.com/office/drawing/2014/main" id="{94E480FF-5629-4F5A-A451-CD85793EBDF6}"/>
+              </a:ext>
+            </a:extLst>
+          </p:cNvPr>
+          <p:cNvPicPr>
+            <a:picLocks noRot="1" noChangeAspect="1"/>
+          </p:cNvPicPr>
+          <p:nvPr>
+            <a:videoFile r:link="rId1"/>
+          </p:nvPr>
+        </p:nvPicPr>
+        <p:blipFill>
+          <a:blip r:embed="rId3"/>
+          <a:stretch>
+            <a:fillRect/>
+          </a:stretch>
+        </p:blipFill>
+        <p:spPr>
+          <a:xfrm>
+            <a:off x="3054285" y="98486"/>
+            <a:ext cx="5791674" cy="3506341"/>
+          </a:xfrm>
+          <a:prstGeom prst="rect">
+            <a:avLst/>
+          </a:prstGeom>
+        </p:spPr>
+      </p:pic>
+      <p:pic>
+        <p:nvPicPr>
+          <p:cNvPr id="6" name="Picture 5">
+            <a:extLst>
+              <a:ext uri="{FF2B5EF4-FFF2-40B4-BE49-F238E27FC236}">
+                <a16:creationId xmlns:a16="http://schemas.microsoft.com/office/drawing/2014/main" id="{C403A1F9-E288-4BE2-912B-257CFCB67E8E}"/>
+              </a:ext>
+            </a:extLst>
+          </p:cNvPr>
+          <p:cNvPicPr>
+            <a:picLocks noChangeAspect="1"/>
+          </p:cNvPicPr>
+          <p:nvPr/>
+        </p:nvPicPr>
+        <p:blipFill>
+          <a:blip r:embed="rId4"/>
+          <a:stretch>
+            <a:fillRect/>
+          </a:stretch>
+        </p:blipFill>
+        <p:spPr>
+          <a:xfrm>
+            <a:off x="3418882" y="3740597"/>
+            <a:ext cx="5193778" cy="2919602"/>
+          </a:xfrm>
+          <a:prstGeom prst="rect">
+            <a:avLst/>
+          </a:prstGeom>
+        </p:spPr>
+      </p:pic>
+    </p:spTree>
+    <p:extLst>
+      <p:ext uri="{BB962C8B-B14F-4D97-AF65-F5344CB8AC3E}">
+        <p14:creationId xmlns:p14="http://schemas.microsoft.com/office/powerpoint/2010/main" val="1270852335"/>
+      </p:ext>
+    </p:extLst>
+  </p:cSld>
+  <p:clrMapOvr>
+    <a:masterClrMapping/>
+  </p:clrMapOvr>
+  <mc:AlternateContent xmlns:mc="http://schemas.openxmlformats.org/markup-compatibility/2006" xmlns:p14="http://schemas.microsoft.com/office/powerpoint/2010/main">
+    <mc:Choice Requires="p14">
+      <p:transition spd="med" p14:dur="700">
+        <p:fade/>
+      </p:transition>
+    </mc:Choice>
+    <mc:Fallback xmlns="">
+      <p:transition spd="med">
+        <p:fade/>
+      </p:transition>
+    </mc:Fallback>
+  </mc:AlternateContent>
+  <p:timing>
+    <p:tnLst>
+      <p:par>
+        <p:cTn id="1" dur="indefinite" restart="never" nodeType="tmRoot">
+          <p:childTnLst>
+            <p:seq concurrent="1" nextAc="seek">
+              <p:cTn id="2" restart="whenNotActive" fill="hold" evtFilter="cancelBubble" nodeType="interactiveSeq">
+                <p:stCondLst>
+                  <p:cond evt="onClick" delay="0">
+                    <p:tgtEl>
+                      <p:spTgt spid="9"/>
+                    </p:tgtEl>
+                  </p:cond>
+                </p:stCondLst>
+                <p:endSync evt="end" delay="0">
+                  <p:rtn val="all"/>
+                </p:endSync>
+                <p:childTnLst>
+                  <p:par>
+                    <p:cTn id="3" fill="hold">
+                      <p:stCondLst>
+                        <p:cond delay="0"/>
+                      </p:stCondLst>
+                      <p:childTnLst>
+                        <p:par>
+                          <p:cTn id="4" fill="hold">
+                            <p:stCondLst>
+                              <p:cond delay="0"/>
+                            </p:stCondLst>
+                            <p:childTnLst>
+                              <p:par>
+                                <p:cTn id="5" presetID="2" presetClass="mediacall" presetSubtype="0" fill="hold" nodeType="clickEffect">
+                                  <p:stCondLst>
+                                    <p:cond delay="0"/>
+                                  </p:stCondLst>
+                                  <p:childTnLst>
+                                    <p:cmd type="call" cmd="togglePause">
+                                      <p:cBhvr>
+                                        <p:cTn id="6" dur="1" fill="hold"/>
+                                        <p:tgtEl>
+                                          <p:spTgt spid="9"/>
+                                        </p:tgtEl>
+                                      </p:cBhvr>
+                                    </p:cmd>
+                                  </p:childTnLst>
+                                </p:cTn>
+                              </p:par>
+                            </p:childTnLst>
+                          </p:cTn>
+                        </p:par>
+                      </p:childTnLst>
+                    </p:cTn>
+                  </p:par>
+                </p:childTnLst>
+              </p:cTn>
+              <p:nextCondLst>
+                <p:cond evt="onClick" delay="0">
+                  <p:tgtEl>
+                    <p:spTgt spid="9"/>
+                  </p:tgtEl>
+                </p:cond>
+              </p:nextCondLst>
+            </p:seq>
+            <p:video>
+              <p:cMediaNode>
+                <p:cTn id="7" fill="hold" display="0">
+                  <p:stCondLst>
+                    <p:cond delay="indefinite"/>
+                  </p:stCondLst>
+                </p:cTn>
+                <p:tgtEl>
+                  <p:spTgt spid="9"/>
+                </p:tgtEl>
+              </p:cMediaNode>
+            </p:video>
+          </p:childTnLst>
+        </p:cTn>
+      </p:par>
+    </p:tnLst>
+  </p:timing>
+</p:sld>
+</file>
+
+<file path=ppt/slides/slide2.xml><?xml version="1.0" encoding="utf-8"?>
 <p:sld xmlns:a="http://schemas.openxmlformats.org/drawingml/2006/main" xmlns:r="http://schemas.openxmlformats.org/officeDocument/2006/relationships" xmlns:p="http://schemas.openxmlformats.org/presentationml/2006/main">
   <p:cSld>
     <p:spTree>
@@ -8408,790 +9420,7 @@
 </p:sld>
 </file>
 
-<file path=ppt/slides/slide10.xml><?xml version="1.0" encoding="utf-8"?>
-<p:sld xmlns:a="http://schemas.openxmlformats.org/drawingml/2006/main" xmlns:r="http://schemas.openxmlformats.org/officeDocument/2006/relationships" xmlns:p="http://schemas.openxmlformats.org/presentationml/2006/main">
-  <p:cSld>
-    <p:spTree>
-      <p:nvGrpSpPr>
-        <p:cNvPr id="1" name=""/>
-        <p:cNvGrpSpPr/>
-        <p:nvPr/>
-      </p:nvGrpSpPr>
-      <p:grpSpPr>
-        <a:xfrm>
-          <a:off x="0" y="0"/>
-          <a:ext cx="0" cy="0"/>
-          <a:chOff x="0" y="0"/>
-          <a:chExt cx="0" cy="0"/>
-        </a:xfrm>
-      </p:grpSpPr>
-      <p:sp>
-        <p:nvSpPr>
-          <p:cNvPr id="2" name="Title 1"/>
-          <p:cNvSpPr>
-            <a:spLocks noGrp="1"/>
-          </p:cNvSpPr>
-          <p:nvPr>
-            <p:ph type="title"/>
-          </p:nvPr>
-        </p:nvSpPr>
-        <p:spPr/>
-        <p:txBody>
-          <a:bodyPr/>
-          <a:lstStyle/>
-          <a:p>
-            <a:r>
-              <a:rPr lang="en-US" dirty="0"/>
-              <a:t>Sequence Diagram</a:t>
-            </a:r>
-          </a:p>
-        </p:txBody>
-      </p:sp>
-      <p:pic>
-        <p:nvPicPr>
-          <p:cNvPr id="6" name="Picture 5">
-            <a:extLst>
-              <a:ext uri="{FF2B5EF4-FFF2-40B4-BE49-F238E27FC236}">
-                <a16:creationId xmlns:a16="http://schemas.microsoft.com/office/drawing/2014/main" id="{1A9C9A37-2898-484D-B140-BC001B6F8C65}"/>
-              </a:ext>
-            </a:extLst>
-          </p:cNvPr>
-          <p:cNvPicPr>
-            <a:picLocks noChangeAspect="1"/>
-          </p:cNvPicPr>
-          <p:nvPr/>
-        </p:nvPicPr>
-        <p:blipFill>
-          <a:blip r:embed="rId2"/>
-          <a:stretch>
-            <a:fillRect/>
-          </a:stretch>
-        </p:blipFill>
-        <p:spPr>
-          <a:xfrm>
-            <a:off x="0" y="1579282"/>
-            <a:ext cx="9144000" cy="5127925"/>
-          </a:xfrm>
-          <a:prstGeom prst="rect">
-            <a:avLst/>
-          </a:prstGeom>
-        </p:spPr>
-      </p:pic>
-      <p:sp>
-        <p:nvSpPr>
-          <p:cNvPr id="4" name="Rectangle 3">
-            <a:extLst>
-              <a:ext uri="{FF2B5EF4-FFF2-40B4-BE49-F238E27FC236}">
-                <a16:creationId xmlns:a16="http://schemas.microsoft.com/office/drawing/2014/main" id="{28062FD5-E7F0-4A54-89D7-1F3002B5747C}"/>
-              </a:ext>
-            </a:extLst>
-          </p:cNvPr>
-          <p:cNvSpPr/>
-          <p:nvPr/>
-        </p:nvSpPr>
-        <p:spPr>
-          <a:xfrm>
-            <a:off x="0" y="5532435"/>
-            <a:ext cx="9144000" cy="1325564"/>
-          </a:xfrm>
-          <a:prstGeom prst="rect">
-            <a:avLst/>
-          </a:prstGeom>
-          <a:solidFill>
-            <a:schemeClr val="bg1"/>
-          </a:solidFill>
-          <a:ln>
-            <a:noFill/>
-          </a:ln>
-        </p:spPr>
-        <p:style>
-          <a:lnRef idx="2">
-            <a:schemeClr val="accent1">
-              <a:shade val="50000"/>
-            </a:schemeClr>
-          </a:lnRef>
-          <a:fillRef idx="1">
-            <a:schemeClr val="accent1"/>
-          </a:fillRef>
-          <a:effectRef idx="0">
-            <a:schemeClr val="accent1"/>
-          </a:effectRef>
-          <a:fontRef idx="minor">
-            <a:schemeClr val="lt1"/>
-          </a:fontRef>
-        </p:style>
-        <p:txBody>
-          <a:bodyPr rtlCol="0" anchor="ctr"/>
-          <a:lstStyle/>
-          <a:p>
-            <a:pPr algn="ctr"/>
-            <a:endParaRPr lang="en-US"/>
-          </a:p>
-        </p:txBody>
-      </p:sp>
-    </p:spTree>
-    <p:extLst>
-      <p:ext uri="{BB962C8B-B14F-4D97-AF65-F5344CB8AC3E}">
-        <p14:creationId xmlns:p14="http://schemas.microsoft.com/office/powerpoint/2010/main" val="2672154149"/>
-      </p:ext>
-    </p:extLst>
-  </p:cSld>
-  <p:clrMapOvr>
-    <a:masterClrMapping/>
-  </p:clrMapOvr>
-</p:sld>
-</file>
-
-<file path=ppt/slides/slide11.xml><?xml version="1.0" encoding="utf-8"?>
-<p:sld xmlns:a="http://schemas.openxmlformats.org/drawingml/2006/main" xmlns:r="http://schemas.openxmlformats.org/officeDocument/2006/relationships" xmlns:p="http://schemas.openxmlformats.org/presentationml/2006/main">
-  <p:cSld>
-    <p:spTree>
-      <p:nvGrpSpPr>
-        <p:cNvPr id="1" name=""/>
-        <p:cNvGrpSpPr/>
-        <p:nvPr/>
-      </p:nvGrpSpPr>
-      <p:grpSpPr>
-        <a:xfrm>
-          <a:off x="0" y="0"/>
-          <a:ext cx="0" cy="0"/>
-          <a:chOff x="0" y="0"/>
-          <a:chExt cx="0" cy="0"/>
-        </a:xfrm>
-      </p:grpSpPr>
-      <p:sp>
-        <p:nvSpPr>
-          <p:cNvPr id="2" name="Title 1"/>
-          <p:cNvSpPr>
-            <a:spLocks noGrp="1"/>
-          </p:cNvSpPr>
-          <p:nvPr>
-            <p:ph type="title"/>
-          </p:nvPr>
-        </p:nvSpPr>
-        <p:spPr/>
-        <p:txBody>
-          <a:bodyPr/>
-          <a:lstStyle/>
-          <a:p>
-            <a:r>
-              <a:rPr lang="en-US" dirty="0"/>
-              <a:t>Sequence Diagram</a:t>
-            </a:r>
-          </a:p>
-        </p:txBody>
-      </p:sp>
-      <p:pic>
-        <p:nvPicPr>
-          <p:cNvPr id="6" name="Picture 5">
-            <a:extLst>
-              <a:ext uri="{FF2B5EF4-FFF2-40B4-BE49-F238E27FC236}">
-                <a16:creationId xmlns:a16="http://schemas.microsoft.com/office/drawing/2014/main" id="{1A9C9A37-2898-484D-B140-BC001B6F8C65}"/>
-              </a:ext>
-            </a:extLst>
-          </p:cNvPr>
-          <p:cNvPicPr>
-            <a:picLocks noChangeAspect="1"/>
-          </p:cNvPicPr>
-          <p:nvPr/>
-        </p:nvPicPr>
-        <p:blipFill>
-          <a:blip r:embed="rId2"/>
-          <a:stretch>
-            <a:fillRect/>
-          </a:stretch>
-        </p:blipFill>
-        <p:spPr>
-          <a:xfrm>
-            <a:off x="0" y="1579282"/>
-            <a:ext cx="9144000" cy="5127925"/>
-          </a:xfrm>
-          <a:prstGeom prst="rect">
-            <a:avLst/>
-          </a:prstGeom>
-        </p:spPr>
-      </p:pic>
-      <p:sp>
-        <p:nvSpPr>
-          <p:cNvPr id="4" name="Rectangle 3">
-            <a:extLst>
-              <a:ext uri="{FF2B5EF4-FFF2-40B4-BE49-F238E27FC236}">
-                <a16:creationId xmlns:a16="http://schemas.microsoft.com/office/drawing/2014/main" id="{28062FD5-E7F0-4A54-89D7-1F3002B5747C}"/>
-              </a:ext>
-            </a:extLst>
-          </p:cNvPr>
-          <p:cNvSpPr/>
-          <p:nvPr/>
-        </p:nvSpPr>
-        <p:spPr>
-          <a:xfrm>
-            <a:off x="0" y="6128951"/>
-            <a:ext cx="9144000" cy="729048"/>
-          </a:xfrm>
-          <a:prstGeom prst="rect">
-            <a:avLst/>
-          </a:prstGeom>
-          <a:solidFill>
-            <a:schemeClr val="bg1"/>
-          </a:solidFill>
-          <a:ln>
-            <a:noFill/>
-          </a:ln>
-        </p:spPr>
-        <p:style>
-          <a:lnRef idx="2">
-            <a:schemeClr val="accent1">
-              <a:shade val="50000"/>
-            </a:schemeClr>
-          </a:lnRef>
-          <a:fillRef idx="1">
-            <a:schemeClr val="accent1"/>
-          </a:fillRef>
-          <a:effectRef idx="0">
-            <a:schemeClr val="accent1"/>
-          </a:effectRef>
-          <a:fontRef idx="minor">
-            <a:schemeClr val="lt1"/>
-          </a:fontRef>
-        </p:style>
-        <p:txBody>
-          <a:bodyPr rtlCol="0" anchor="ctr"/>
-          <a:lstStyle/>
-          <a:p>
-            <a:pPr algn="ctr"/>
-            <a:endParaRPr lang="en-US"/>
-          </a:p>
-        </p:txBody>
-      </p:sp>
-    </p:spTree>
-    <p:extLst>
-      <p:ext uri="{BB962C8B-B14F-4D97-AF65-F5344CB8AC3E}">
-        <p14:creationId xmlns:p14="http://schemas.microsoft.com/office/powerpoint/2010/main" val="432087896"/>
-      </p:ext>
-    </p:extLst>
-  </p:cSld>
-  <p:clrMapOvr>
-    <a:masterClrMapping/>
-  </p:clrMapOvr>
-</p:sld>
-</file>
-
-<file path=ppt/slides/slide12.xml><?xml version="1.0" encoding="utf-8"?>
-<p:sld xmlns:a="http://schemas.openxmlformats.org/drawingml/2006/main" xmlns:r="http://schemas.openxmlformats.org/officeDocument/2006/relationships" xmlns:p="http://schemas.openxmlformats.org/presentationml/2006/main">
-  <p:cSld>
-    <p:spTree>
-      <p:nvGrpSpPr>
-        <p:cNvPr id="1" name=""/>
-        <p:cNvGrpSpPr/>
-        <p:nvPr/>
-      </p:nvGrpSpPr>
-      <p:grpSpPr>
-        <a:xfrm>
-          <a:off x="0" y="0"/>
-          <a:ext cx="0" cy="0"/>
-          <a:chOff x="0" y="0"/>
-          <a:chExt cx="0" cy="0"/>
-        </a:xfrm>
-      </p:grpSpPr>
-      <p:sp>
-        <p:nvSpPr>
-          <p:cNvPr id="2" name="Title 1"/>
-          <p:cNvSpPr>
-            <a:spLocks noGrp="1"/>
-          </p:cNvSpPr>
-          <p:nvPr>
-            <p:ph type="title"/>
-          </p:nvPr>
-        </p:nvSpPr>
-        <p:spPr/>
-        <p:txBody>
-          <a:bodyPr/>
-          <a:lstStyle/>
-          <a:p>
-            <a:r>
-              <a:rPr lang="en-US" dirty="0"/>
-              <a:t>Sequence Diagram</a:t>
-            </a:r>
-          </a:p>
-        </p:txBody>
-      </p:sp>
-      <p:pic>
-        <p:nvPicPr>
-          <p:cNvPr id="6" name="Picture 5">
-            <a:extLst>
-              <a:ext uri="{FF2B5EF4-FFF2-40B4-BE49-F238E27FC236}">
-                <a16:creationId xmlns:a16="http://schemas.microsoft.com/office/drawing/2014/main" id="{1A9C9A37-2898-484D-B140-BC001B6F8C65}"/>
-              </a:ext>
-            </a:extLst>
-          </p:cNvPr>
-          <p:cNvPicPr>
-            <a:picLocks noChangeAspect="1"/>
-          </p:cNvPicPr>
-          <p:nvPr/>
-        </p:nvPicPr>
-        <p:blipFill>
-          <a:blip r:embed="rId2"/>
-          <a:stretch>
-            <a:fillRect/>
-          </a:stretch>
-        </p:blipFill>
-        <p:spPr>
-          <a:xfrm>
-            <a:off x="0" y="1579282"/>
-            <a:ext cx="9144000" cy="5127925"/>
-          </a:xfrm>
-          <a:prstGeom prst="rect">
-            <a:avLst/>
-          </a:prstGeom>
-        </p:spPr>
-      </p:pic>
-      <p:sp>
-        <p:nvSpPr>
-          <p:cNvPr id="4" name="Rectangle 3">
-            <a:extLst>
-              <a:ext uri="{FF2B5EF4-FFF2-40B4-BE49-F238E27FC236}">
-                <a16:creationId xmlns:a16="http://schemas.microsoft.com/office/drawing/2014/main" id="{28062FD5-E7F0-4A54-89D7-1F3002B5747C}"/>
-              </a:ext>
-            </a:extLst>
-          </p:cNvPr>
-          <p:cNvSpPr/>
-          <p:nvPr/>
-        </p:nvSpPr>
-        <p:spPr>
-          <a:xfrm>
-            <a:off x="0" y="6345195"/>
-            <a:ext cx="9144000" cy="512804"/>
-          </a:xfrm>
-          <a:prstGeom prst="rect">
-            <a:avLst/>
-          </a:prstGeom>
-          <a:solidFill>
-            <a:schemeClr val="bg1"/>
-          </a:solidFill>
-          <a:ln>
-            <a:noFill/>
-          </a:ln>
-        </p:spPr>
-        <p:style>
-          <a:lnRef idx="2">
-            <a:schemeClr val="accent1">
-              <a:shade val="50000"/>
-            </a:schemeClr>
-          </a:lnRef>
-          <a:fillRef idx="1">
-            <a:schemeClr val="accent1"/>
-          </a:fillRef>
-          <a:effectRef idx="0">
-            <a:schemeClr val="accent1"/>
-          </a:effectRef>
-          <a:fontRef idx="minor">
-            <a:schemeClr val="lt1"/>
-          </a:fontRef>
-        </p:style>
-        <p:txBody>
-          <a:bodyPr rtlCol="0" anchor="ctr"/>
-          <a:lstStyle/>
-          <a:p>
-            <a:pPr algn="ctr"/>
-            <a:endParaRPr lang="en-US"/>
-          </a:p>
-        </p:txBody>
-      </p:sp>
-    </p:spTree>
-    <p:extLst>
-      <p:ext uri="{BB962C8B-B14F-4D97-AF65-F5344CB8AC3E}">
-        <p14:creationId xmlns:p14="http://schemas.microsoft.com/office/powerpoint/2010/main" val="1415617058"/>
-      </p:ext>
-    </p:extLst>
-  </p:cSld>
-  <p:clrMapOvr>
-    <a:masterClrMapping/>
-  </p:clrMapOvr>
-</p:sld>
-</file>
-
-<file path=ppt/slides/slide13.xml><?xml version="1.0" encoding="utf-8"?>
-<p:sld xmlns:a="http://schemas.openxmlformats.org/drawingml/2006/main" xmlns:r="http://schemas.openxmlformats.org/officeDocument/2006/relationships" xmlns:p="http://schemas.openxmlformats.org/presentationml/2006/main">
-  <p:cSld>
-    <p:spTree>
-      <p:nvGrpSpPr>
-        <p:cNvPr id="1" name=""/>
-        <p:cNvGrpSpPr/>
-        <p:nvPr/>
-      </p:nvGrpSpPr>
-      <p:grpSpPr>
-        <a:xfrm>
-          <a:off x="0" y="0"/>
-          <a:ext cx="0" cy="0"/>
-          <a:chOff x="0" y="0"/>
-          <a:chExt cx="0" cy="0"/>
-        </a:xfrm>
-      </p:grpSpPr>
-      <p:sp>
-        <p:nvSpPr>
-          <p:cNvPr id="2" name="Title 1"/>
-          <p:cNvSpPr>
-            <a:spLocks noGrp="1"/>
-          </p:cNvSpPr>
-          <p:nvPr>
-            <p:ph type="title"/>
-          </p:nvPr>
-        </p:nvSpPr>
-        <p:spPr/>
-        <p:txBody>
-          <a:bodyPr/>
-          <a:lstStyle/>
-          <a:p>
-            <a:r>
-              <a:rPr lang="en-US" dirty="0"/>
-              <a:t>Sequence Diagram</a:t>
-            </a:r>
-          </a:p>
-        </p:txBody>
-      </p:sp>
-      <p:pic>
-        <p:nvPicPr>
-          <p:cNvPr id="6" name="Picture 5">
-            <a:extLst>
-              <a:ext uri="{FF2B5EF4-FFF2-40B4-BE49-F238E27FC236}">
-                <a16:creationId xmlns:a16="http://schemas.microsoft.com/office/drawing/2014/main" id="{1A9C9A37-2898-484D-B140-BC001B6F8C65}"/>
-              </a:ext>
-            </a:extLst>
-          </p:cNvPr>
-          <p:cNvPicPr>
-            <a:picLocks noChangeAspect="1"/>
-          </p:cNvPicPr>
-          <p:nvPr/>
-        </p:nvPicPr>
-        <p:blipFill>
-          <a:blip r:embed="rId2"/>
-          <a:stretch>
-            <a:fillRect/>
-          </a:stretch>
-        </p:blipFill>
-        <p:spPr>
-          <a:xfrm>
-            <a:off x="0" y="1579282"/>
-            <a:ext cx="9144000" cy="5127925"/>
-          </a:xfrm>
-          <a:prstGeom prst="rect">
-            <a:avLst/>
-          </a:prstGeom>
-        </p:spPr>
-      </p:pic>
-    </p:spTree>
-    <p:extLst>
-      <p:ext uri="{BB962C8B-B14F-4D97-AF65-F5344CB8AC3E}">
-        <p14:creationId xmlns:p14="http://schemas.microsoft.com/office/powerpoint/2010/main" val="2156574314"/>
-      </p:ext>
-    </p:extLst>
-  </p:cSld>
-  <p:clrMapOvr>
-    <a:masterClrMapping/>
-  </p:clrMapOvr>
-</p:sld>
-</file>
-
-<file path=ppt/slides/slide14.xml><?xml version="1.0" encoding="utf-8"?>
-<p:sld xmlns:a="http://schemas.openxmlformats.org/drawingml/2006/main" xmlns:r="http://schemas.openxmlformats.org/officeDocument/2006/relationships" xmlns:p="http://schemas.openxmlformats.org/presentationml/2006/main">
-  <p:cSld>
-    <p:spTree>
-      <p:nvGrpSpPr>
-        <p:cNvPr id="1" name=""/>
-        <p:cNvGrpSpPr/>
-        <p:nvPr/>
-      </p:nvGrpSpPr>
-      <p:grpSpPr>
-        <a:xfrm>
-          <a:off x="0" y="0"/>
-          <a:ext cx="0" cy="0"/>
-          <a:chOff x="0" y="0"/>
-          <a:chExt cx="0" cy="0"/>
-        </a:xfrm>
-      </p:grpSpPr>
-      <p:sp>
-        <p:nvSpPr>
-          <p:cNvPr id="3" name="Content Placeholder 2"/>
-          <p:cNvSpPr>
-            <a:spLocks noGrp="1"/>
-          </p:cNvSpPr>
-          <p:nvPr>
-            <p:ph idx="1"/>
-          </p:nvPr>
-        </p:nvSpPr>
-        <p:spPr>
-          <a:xfrm>
-            <a:off x="219545" y="1152287"/>
-            <a:ext cx="2222572" cy="4525963"/>
-          </a:xfrm>
-        </p:spPr>
-        <p:txBody>
-          <a:bodyPr>
-            <a:normAutofit/>
-          </a:bodyPr>
-          <a:lstStyle/>
-          <a:p>
-            <a:pPr>
-              <a:spcAft>
-                <a:spcPts val="600"/>
-              </a:spcAft>
-            </a:pPr>
-            <a:r>
-              <a:rPr lang="en-US" sz="1600" dirty="0"/>
-              <a:t>We used real-world energy production / consumption data from a German </a:t>
-            </a:r>
-            <a:r>
-              <a:rPr lang="en-US" sz="1600" dirty="0" err="1"/>
-              <a:t>microgrid</a:t>
-            </a:r>
-            <a:r>
-              <a:rPr lang="en-US" sz="1600" dirty="0"/>
-              <a:t> provided by Siemens, CT</a:t>
-            </a:r>
-          </a:p>
-          <a:p>
-            <a:pPr>
-              <a:spcAft>
-                <a:spcPts val="600"/>
-              </a:spcAft>
-            </a:pPr>
-            <a:r>
-              <a:rPr lang="en-US" sz="1600" dirty="0"/>
-              <a:t>We deployed our system on a </a:t>
-            </a:r>
-            <a:r>
-              <a:rPr lang="en-US" sz="1600" b="1" dirty="0"/>
-              <a:t>private</a:t>
-            </a:r>
-            <a:r>
-              <a:rPr lang="en-US" sz="1600" dirty="0"/>
-              <a:t> Ethereum network </a:t>
-            </a:r>
-            <a:endParaRPr lang="en-US" sz="1600" dirty="0" smtClean="0"/>
-          </a:p>
-          <a:p>
-            <a:pPr>
-              <a:spcAft>
-                <a:spcPts val="600"/>
-              </a:spcAft>
-            </a:pPr>
-            <a:r>
-              <a:rPr lang="en-US" sz="1600" dirty="0" smtClean="0"/>
-              <a:t>5 producers</a:t>
-            </a:r>
-          </a:p>
-          <a:p>
-            <a:pPr>
-              <a:spcAft>
-                <a:spcPts val="600"/>
-              </a:spcAft>
-            </a:pPr>
-            <a:r>
-              <a:rPr lang="en-US" sz="1600" dirty="0" smtClean="0"/>
-              <a:t>~97 consumers</a:t>
-            </a:r>
-            <a:endParaRPr lang="en-US" sz="1600" dirty="0"/>
-          </a:p>
-        </p:txBody>
-      </p:sp>
-      <p:sp>
-        <p:nvSpPr>
-          <p:cNvPr id="2" name="Title 1"/>
-          <p:cNvSpPr>
-            <a:spLocks noGrp="1"/>
-          </p:cNvSpPr>
-          <p:nvPr>
-            <p:ph type="title"/>
-          </p:nvPr>
-        </p:nvSpPr>
-        <p:spPr>
-          <a:xfrm>
-            <a:off x="483685" y="-92074"/>
-            <a:ext cx="7886700" cy="1325563"/>
-          </a:xfrm>
-        </p:spPr>
-        <p:txBody>
-          <a:bodyPr>
-            <a:normAutofit/>
-          </a:bodyPr>
-          <a:lstStyle/>
-          <a:p>
-            <a:r>
-              <a:rPr lang="en-US" sz="3600" dirty="0"/>
-              <a:t>Evaluation</a:t>
-            </a:r>
-          </a:p>
-        </p:txBody>
-      </p:sp>
-      <p:pic>
-        <p:nvPicPr>
-          <p:cNvPr id="9" name="Online Media 8">
-            <a:hlinkClick r:id="" action="ppaction://media"/>
-            <a:extLst>
-              <a:ext uri="{FF2B5EF4-FFF2-40B4-BE49-F238E27FC236}">
-                <a16:creationId xmlns:a16="http://schemas.microsoft.com/office/drawing/2014/main" id="{94E480FF-5629-4F5A-A451-CD85793EBDF6}"/>
-              </a:ext>
-            </a:extLst>
-          </p:cNvPr>
-          <p:cNvPicPr>
-            <a:picLocks noRot="1" noChangeAspect="1"/>
-          </p:cNvPicPr>
-          <p:nvPr>
-            <a:videoFile r:link="rId1"/>
-          </p:nvPr>
-        </p:nvPicPr>
-        <p:blipFill>
-          <a:blip r:embed="rId3"/>
-          <a:stretch>
-            <a:fillRect/>
-          </a:stretch>
-        </p:blipFill>
-        <p:spPr>
-          <a:xfrm>
-            <a:off x="3054285" y="98486"/>
-            <a:ext cx="5791674" cy="3506341"/>
-          </a:xfrm>
-          <a:prstGeom prst="rect">
-            <a:avLst/>
-          </a:prstGeom>
-        </p:spPr>
-      </p:pic>
-      <p:pic>
-        <p:nvPicPr>
-          <p:cNvPr id="6" name="Picture 5">
-            <a:extLst>
-              <a:ext uri="{FF2B5EF4-FFF2-40B4-BE49-F238E27FC236}">
-                <a16:creationId xmlns:a16="http://schemas.microsoft.com/office/drawing/2014/main" id="{C403A1F9-E288-4BE2-912B-257CFCB67E8E}"/>
-              </a:ext>
-            </a:extLst>
-          </p:cNvPr>
-          <p:cNvPicPr>
-            <a:picLocks noChangeAspect="1"/>
-          </p:cNvPicPr>
-          <p:nvPr/>
-        </p:nvPicPr>
-        <p:blipFill>
-          <a:blip r:embed="rId4"/>
-          <a:stretch>
-            <a:fillRect/>
-          </a:stretch>
-        </p:blipFill>
-        <p:spPr>
-          <a:xfrm>
-            <a:off x="3418882" y="3740597"/>
-            <a:ext cx="5193778" cy="2919602"/>
-          </a:xfrm>
-          <a:prstGeom prst="rect">
-            <a:avLst/>
-          </a:prstGeom>
-        </p:spPr>
-      </p:pic>
-    </p:spTree>
-    <p:extLst>
-      <p:ext uri="{BB962C8B-B14F-4D97-AF65-F5344CB8AC3E}">
-        <p14:creationId xmlns:p14="http://schemas.microsoft.com/office/powerpoint/2010/main" val="1270852335"/>
-      </p:ext>
-    </p:extLst>
-  </p:cSld>
-  <p:clrMapOvr>
-    <a:masterClrMapping/>
-  </p:clrMapOvr>
-  <mc:AlternateContent xmlns:mc="http://schemas.openxmlformats.org/markup-compatibility/2006" xmlns:p14="http://schemas.microsoft.com/office/powerpoint/2010/main">
-    <mc:Choice Requires="p14">
-      <p:transition spd="med" p14:dur="700">
-        <p:fade/>
-      </p:transition>
-    </mc:Choice>
-    <mc:Fallback xmlns="">
-      <p:transition spd="med">
-        <p:fade/>
-      </p:transition>
-    </mc:Fallback>
-  </mc:AlternateContent>
-  <p:timing>
-    <p:tnLst>
-      <p:par>
-        <p:cTn id="1" dur="indefinite" restart="never" nodeType="tmRoot">
-          <p:childTnLst>
-            <p:seq concurrent="1" nextAc="seek">
-              <p:cTn id="2" restart="whenNotActive" fill="hold" evtFilter="cancelBubble" nodeType="interactiveSeq">
-                <p:stCondLst>
-                  <p:cond evt="onClick" delay="0">
-                    <p:tgtEl>
-                      <p:spTgt spid="9"/>
-                    </p:tgtEl>
-                  </p:cond>
-                </p:stCondLst>
-                <p:endSync evt="end" delay="0">
-                  <p:rtn val="all"/>
-                </p:endSync>
-                <p:childTnLst>
-                  <p:par>
-                    <p:cTn id="3" fill="hold">
-                      <p:stCondLst>
-                        <p:cond delay="0"/>
-                      </p:stCondLst>
-                      <p:childTnLst>
-                        <p:par>
-                          <p:cTn id="4" fill="hold">
-                            <p:stCondLst>
-                              <p:cond delay="0"/>
-                            </p:stCondLst>
-                            <p:childTnLst>
-                              <p:par>
-                                <p:cTn id="5" presetID="2" presetClass="mediacall" presetSubtype="0" fill="hold" nodeType="clickEffect">
-                                  <p:stCondLst>
-                                    <p:cond delay="0"/>
-                                  </p:stCondLst>
-                                  <p:childTnLst>
-                                    <p:cmd type="call" cmd="togglePause">
-                                      <p:cBhvr>
-                                        <p:cTn id="6" dur="1" fill="hold"/>
-                                        <p:tgtEl>
-                                          <p:spTgt spid="9"/>
-                                        </p:tgtEl>
-                                      </p:cBhvr>
-                                    </p:cmd>
-                                  </p:childTnLst>
-                                </p:cTn>
-                              </p:par>
-                            </p:childTnLst>
-                          </p:cTn>
-                        </p:par>
-                      </p:childTnLst>
-                    </p:cTn>
-                  </p:par>
-                </p:childTnLst>
-              </p:cTn>
-              <p:nextCondLst>
-                <p:cond evt="onClick" delay="0">
-                  <p:tgtEl>
-                    <p:spTgt spid="9"/>
-                  </p:tgtEl>
-                </p:cond>
-              </p:nextCondLst>
-            </p:seq>
-            <p:video>
-              <p:cMediaNode>
-                <p:cTn id="7" fill="hold" display="0">
-                  <p:stCondLst>
-                    <p:cond delay="indefinite"/>
-                  </p:stCondLst>
-                </p:cTn>
-                <p:tgtEl>
-                  <p:spTgt spid="9"/>
-                </p:tgtEl>
-              </p:cMediaNode>
-            </p:video>
-          </p:childTnLst>
-        </p:cTn>
-      </p:par>
-    </p:tnLst>
-  </p:timing>
-</p:sld>
-</file>
-
-<file path=ppt/slides/slide2.xml><?xml version="1.0" encoding="utf-8"?>
+<file path=ppt/slides/slide3.xml><?xml version="1.0" encoding="utf-8"?>
 <p:sld xmlns:a="http://schemas.openxmlformats.org/drawingml/2006/main" xmlns:r="http://schemas.openxmlformats.org/officeDocument/2006/relationships" xmlns:p="http://schemas.openxmlformats.org/presentationml/2006/main">
   <p:cSld>
     <p:spTree>
@@ -9325,7 +9554,7 @@
 </p:sld>
 </file>
 
-<file path=ppt/slides/slide3.xml><?xml version="1.0" encoding="utf-8"?>
+<file path=ppt/slides/slide4.xml><?xml version="1.0" encoding="utf-8"?>
 <p:sld xmlns:a="http://schemas.openxmlformats.org/drawingml/2006/main" xmlns:r="http://schemas.openxmlformats.org/officeDocument/2006/relationships" xmlns:p="http://schemas.openxmlformats.org/presentationml/2006/main">
   <p:cSld>
     <p:spTree>
@@ -9459,7 +9688,7 @@
 </p:sld>
 </file>
 
-<file path=ppt/slides/slide4.xml><?xml version="1.0" encoding="utf-8"?>
+<file path=ppt/slides/slide5.xml><?xml version="1.0" encoding="utf-8"?>
 <p:sld xmlns:a="http://schemas.openxmlformats.org/drawingml/2006/main" xmlns:r="http://schemas.openxmlformats.org/officeDocument/2006/relationships" xmlns:p="http://schemas.openxmlformats.org/presentationml/2006/main">
   <p:cSld>
     <p:spTree>
@@ -9593,7 +9822,7 @@
 </p:sld>
 </file>
 
-<file path=ppt/slides/slide5.xml><?xml version="1.0" encoding="utf-8"?>
+<file path=ppt/slides/slide6.xml><?xml version="1.0" encoding="utf-8"?>
 <p:sld xmlns:a="http://schemas.openxmlformats.org/drawingml/2006/main" xmlns:r="http://schemas.openxmlformats.org/officeDocument/2006/relationships" xmlns:p="http://schemas.openxmlformats.org/presentationml/2006/main">
   <p:cSld>
     <p:spTree>
@@ -9727,7 +9956,7 @@
 </p:sld>
 </file>
 
-<file path=ppt/slides/slide6.xml><?xml version="1.0" encoding="utf-8"?>
+<file path=ppt/slides/slide7.xml><?xml version="1.0" encoding="utf-8"?>
 <p:sld xmlns:a="http://schemas.openxmlformats.org/drawingml/2006/main" xmlns:r="http://schemas.openxmlformats.org/officeDocument/2006/relationships" xmlns:p="http://schemas.openxmlformats.org/presentationml/2006/main">
   <p:cSld>
     <p:spTree>
@@ -9861,7 +10090,7 @@
 </p:sld>
 </file>
 
-<file path=ppt/slides/slide7.xml><?xml version="1.0" encoding="utf-8"?>
+<file path=ppt/slides/slide8.xml><?xml version="1.0" encoding="utf-8"?>
 <p:sld xmlns:a="http://schemas.openxmlformats.org/drawingml/2006/main" xmlns:r="http://schemas.openxmlformats.org/officeDocument/2006/relationships" xmlns:p="http://schemas.openxmlformats.org/presentationml/2006/main">
   <p:cSld>
     <p:spTree>
@@ -9995,7 +10224,7 @@
 </p:sld>
 </file>
 
-<file path=ppt/slides/slide8.xml><?xml version="1.0" encoding="utf-8"?>
+<file path=ppt/slides/slide9.xml><?xml version="1.0" encoding="utf-8"?>
 <p:sld xmlns:a="http://schemas.openxmlformats.org/drawingml/2006/main" xmlns:r="http://schemas.openxmlformats.org/officeDocument/2006/relationships" xmlns:p="http://schemas.openxmlformats.org/presentationml/2006/main">
   <p:cSld>
     <p:spTree>
@@ -10120,140 +10349,6 @@
     <p:extLst>
       <p:ext uri="{BB962C8B-B14F-4D97-AF65-F5344CB8AC3E}">
         <p14:creationId xmlns:p14="http://schemas.microsoft.com/office/powerpoint/2010/main" val="4156294312"/>
-      </p:ext>
-    </p:extLst>
-  </p:cSld>
-  <p:clrMapOvr>
-    <a:masterClrMapping/>
-  </p:clrMapOvr>
-</p:sld>
-</file>
-
-<file path=ppt/slides/slide9.xml><?xml version="1.0" encoding="utf-8"?>
-<p:sld xmlns:a="http://schemas.openxmlformats.org/drawingml/2006/main" xmlns:r="http://schemas.openxmlformats.org/officeDocument/2006/relationships" xmlns:p="http://schemas.openxmlformats.org/presentationml/2006/main">
-  <p:cSld>
-    <p:spTree>
-      <p:nvGrpSpPr>
-        <p:cNvPr id="1" name=""/>
-        <p:cNvGrpSpPr/>
-        <p:nvPr/>
-      </p:nvGrpSpPr>
-      <p:grpSpPr>
-        <a:xfrm>
-          <a:off x="0" y="0"/>
-          <a:ext cx="0" cy="0"/>
-          <a:chOff x="0" y="0"/>
-          <a:chExt cx="0" cy="0"/>
-        </a:xfrm>
-      </p:grpSpPr>
-      <p:sp>
-        <p:nvSpPr>
-          <p:cNvPr id="2" name="Title 1"/>
-          <p:cNvSpPr>
-            <a:spLocks noGrp="1"/>
-          </p:cNvSpPr>
-          <p:nvPr>
-            <p:ph type="title"/>
-          </p:nvPr>
-        </p:nvSpPr>
-        <p:spPr/>
-        <p:txBody>
-          <a:bodyPr/>
-          <a:lstStyle/>
-          <a:p>
-            <a:r>
-              <a:rPr lang="en-US" dirty="0"/>
-              <a:t>Sequence Diagram</a:t>
-            </a:r>
-          </a:p>
-        </p:txBody>
-      </p:sp>
-      <p:pic>
-        <p:nvPicPr>
-          <p:cNvPr id="6" name="Picture 5">
-            <a:extLst>
-              <a:ext uri="{FF2B5EF4-FFF2-40B4-BE49-F238E27FC236}">
-                <a16:creationId xmlns:a16="http://schemas.microsoft.com/office/drawing/2014/main" id="{1A9C9A37-2898-484D-B140-BC001B6F8C65}"/>
-              </a:ext>
-            </a:extLst>
-          </p:cNvPr>
-          <p:cNvPicPr>
-            <a:picLocks noChangeAspect="1"/>
-          </p:cNvPicPr>
-          <p:nvPr/>
-        </p:nvPicPr>
-        <p:blipFill>
-          <a:blip r:embed="rId2"/>
-          <a:stretch>
-            <a:fillRect/>
-          </a:stretch>
-        </p:blipFill>
-        <p:spPr>
-          <a:xfrm>
-            <a:off x="0" y="1579282"/>
-            <a:ext cx="9144000" cy="5127925"/>
-          </a:xfrm>
-          <a:prstGeom prst="rect">
-            <a:avLst/>
-          </a:prstGeom>
-        </p:spPr>
-      </p:pic>
-      <p:sp>
-        <p:nvSpPr>
-          <p:cNvPr id="4" name="Rectangle 3">
-            <a:extLst>
-              <a:ext uri="{FF2B5EF4-FFF2-40B4-BE49-F238E27FC236}">
-                <a16:creationId xmlns:a16="http://schemas.microsoft.com/office/drawing/2014/main" id="{28062FD5-E7F0-4A54-89D7-1F3002B5747C}"/>
-              </a:ext>
-            </a:extLst>
-          </p:cNvPr>
-          <p:cNvSpPr/>
-          <p:nvPr/>
-        </p:nvSpPr>
-        <p:spPr>
-          <a:xfrm>
-            <a:off x="0" y="5152768"/>
-            <a:ext cx="9144000" cy="1705232"/>
-          </a:xfrm>
-          <a:prstGeom prst="rect">
-            <a:avLst/>
-          </a:prstGeom>
-          <a:solidFill>
-            <a:schemeClr val="bg1"/>
-          </a:solidFill>
-          <a:ln>
-            <a:noFill/>
-          </a:ln>
-        </p:spPr>
-        <p:style>
-          <a:lnRef idx="2">
-            <a:schemeClr val="accent1">
-              <a:shade val="50000"/>
-            </a:schemeClr>
-          </a:lnRef>
-          <a:fillRef idx="1">
-            <a:schemeClr val="accent1"/>
-          </a:fillRef>
-          <a:effectRef idx="0">
-            <a:schemeClr val="accent1"/>
-          </a:effectRef>
-          <a:fontRef idx="minor">
-            <a:schemeClr val="lt1"/>
-          </a:fontRef>
-        </p:style>
-        <p:txBody>
-          <a:bodyPr rtlCol="0" anchor="ctr"/>
-          <a:lstStyle/>
-          <a:p>
-            <a:pPr algn="ctr"/>
-            <a:endParaRPr lang="en-US"/>
-          </a:p>
-        </p:txBody>
-      </p:sp>
-    </p:spTree>
-    <p:extLst>
-      <p:ext uri="{BB962C8B-B14F-4D97-AF65-F5344CB8AC3E}">
-        <p14:creationId xmlns:p14="http://schemas.microsoft.com/office/powerpoint/2010/main" val="3321013237"/>
       </p:ext>
     </p:extLst>
   </p:cSld>
